--- a/平台基础架构基本思路.pptx
+++ b/平台基础架构基本思路.pptx
@@ -2,22 +2,22 @@
 <file path=ppt/presentation.xml><?xml version="1.0" encoding="utf-8"?>
 <p:presentation xmlns:a="http://schemas.openxmlformats.org/drawingml/2006/main" xmlns:r="http://schemas.openxmlformats.org/officeDocument/2006/relationships" xmlns:p="http://schemas.openxmlformats.org/presentationml/2006/main">
   <p:sldMasterIdLst>
-    <p:sldMasterId id="2147483730" r:id="rId1"/>
+    <p:sldMasterId id="2147483648" r:id="rId1"/>
   </p:sldMasterIdLst>
   <p:notesMasterIdLst>
-    <p:notesMasterId r:id="rId12"/>
+    <p:notesMasterId r:id="rId4"/>
   </p:notesMasterIdLst>
   <p:sldIdLst>
-    <p:sldId id="290" r:id="rId2"/>
-    <p:sldId id="272" r:id="rId3"/>
-    <p:sldId id="268" r:id="rId4"/>
-    <p:sldId id="302" r:id="rId5"/>
-    <p:sldId id="292" r:id="rId6"/>
-    <p:sldId id="293" r:id="rId7"/>
-    <p:sldId id="297" r:id="rId8"/>
-    <p:sldId id="294" r:id="rId9"/>
-    <p:sldId id="298" r:id="rId10"/>
-    <p:sldId id="299" r:id="rId11"/>
+    <p:sldId id="290" r:id="rId3"/>
+    <p:sldId id="272" r:id="rId5"/>
+    <p:sldId id="268" r:id="rId6"/>
+    <p:sldId id="302" r:id="rId7"/>
+    <p:sldId id="292" r:id="rId8"/>
+    <p:sldId id="293" r:id="rId9"/>
+    <p:sldId id="297" r:id="rId10"/>
+    <p:sldId id="294" r:id="rId11"/>
+    <p:sldId id="298" r:id="rId12"/>
+    <p:sldId id="299" r:id="rId13"/>
   </p:sldIdLst>
   <p:sldSz cx="12192000" cy="6858000"/>
   <p:notesSz cx="6858000" cy="9144000"/>
@@ -116,11 +116,6 @@
       </a:defRPr>
     </a:lvl9pPr>
   </p:defaultTextStyle>
-  <p:extLst>
-    <p:ext uri="{EFAFB233-063F-42B5-8137-9DF3F51BA10A}">
-      <p15:sldGuideLst xmlns:p15="http://schemas.microsoft.com/office/powerpoint/2012/main"/>
-    </p:ext>
-  </p:extLst>
 </p:presentation>
 </file>
 
@@ -206,7 +201,6 @@
           <a:p>
             <a:fld id="{D2A48B96-639E-45A3-A0BA-2464DFDB1FAA}" type="datetimeFigureOut">
               <a:rPr lang="zh-CN" altLang="en-US" smtClean="0"/>
-              <a:t>2018/12/25</a:t>
             </a:fld>
             <a:endParaRPr lang="zh-CN" altLang="en-US"/>
           </a:p>
@@ -273,6 +267,7 @@
               <a:rPr lang="zh-CN" altLang="en-US" smtClean="0"/>
               <a:t>单击此处编辑母版文本样式</a:t>
             </a:r>
+            <a:endParaRPr lang="zh-CN" altLang="en-US" smtClean="0"/>
           </a:p>
           <a:p>
             <a:pPr lvl="1"/>
@@ -280,6 +275,7 @@
               <a:rPr lang="zh-CN" altLang="en-US" smtClean="0"/>
               <a:t>第二级</a:t>
             </a:r>
+            <a:endParaRPr lang="zh-CN" altLang="en-US" smtClean="0"/>
           </a:p>
           <a:p>
             <a:pPr lvl="2"/>
@@ -287,6 +283,7 @@
               <a:rPr lang="zh-CN" altLang="en-US" smtClean="0"/>
               <a:t>第三级</a:t>
             </a:r>
+            <a:endParaRPr lang="zh-CN" altLang="en-US" smtClean="0"/>
           </a:p>
           <a:p>
             <a:pPr lvl="3"/>
@@ -294,6 +291,7 @@
               <a:rPr lang="zh-CN" altLang="en-US" smtClean="0"/>
               <a:t>第四级</a:t>
             </a:r>
+            <a:endParaRPr lang="zh-CN" altLang="en-US" smtClean="0"/>
           </a:p>
           <a:p>
             <a:pPr lvl="4"/>
@@ -365,18 +363,12 @@
           <a:p>
             <a:fld id="{A6837353-30EB-4A48-80EB-173D804AEFBD}" type="slidenum">
               <a:rPr lang="zh-CN" altLang="en-US" smtClean="0"/>
-              <a:t>‹#›</a:t>
             </a:fld>
             <a:endParaRPr lang="zh-CN" altLang="en-US"/>
           </a:p>
         </p:txBody>
       </p:sp>
     </p:spTree>
-    <p:extLst>
-      <p:ext uri="{BB962C8B-B14F-4D97-AF65-F5344CB8AC3E}">
-        <p14:creationId xmlns:p14="http://schemas.microsoft.com/office/powerpoint/2010/main" val="956215584"/>
-      </p:ext>
-    </p:extLst>
   </p:cSld>
   <p:clrMap bg1="lt1" tx1="dk1" bg2="lt2" tx2="dk2" accent1="accent1" accent2="accent2" accent3="accent3" accent4="accent4" accent5="accent5" accent6="accent6" hlink="hlink" folHlink="folHlink"/>
   <p:notesStyle>
@@ -539,18 +531,12 @@
           <a:p>
             <a:fld id="{2F690EEC-21BA-4A21-8293-0EF64F05DB05}" type="slidenum">
               <a:rPr lang="zh-CN" altLang="en-US" smtClean="0"/>
-              <a:t>1</a:t>
             </a:fld>
             <a:endParaRPr lang="zh-CN" altLang="en-US"/>
           </a:p>
         </p:txBody>
       </p:sp>
     </p:spTree>
-    <p:extLst>
-      <p:ext uri="{BB962C8B-B14F-4D97-AF65-F5344CB8AC3E}">
-        <p14:creationId xmlns:p14="http://schemas.microsoft.com/office/powerpoint/2010/main" val="527967224"/>
-      </p:ext>
-    </p:extLst>
   </p:cSld>
   <p:clrMapOvr>
     <a:masterClrMapping/>
@@ -744,7 +730,6 @@
           <a:p>
             <a:fld id="{B885E2AA-F0F3-4CCE-84AF-019E5CBEDDD1}" type="datetimeFigureOut">
               <a:rPr lang="zh-CN" altLang="en-US" smtClean="0"/>
-              <a:t>2018/12/25</a:t>
             </a:fld>
             <a:endParaRPr lang="zh-CN" altLang="en-US"/>
           </a:p>
@@ -786,18 +771,12 @@
           <a:p>
             <a:fld id="{A0014383-025F-4889-B26A-A5749CCC0423}" type="slidenum">
               <a:rPr lang="zh-CN" altLang="en-US" smtClean="0"/>
-              <a:t>‹#›</a:t>
             </a:fld>
             <a:endParaRPr lang="zh-CN" altLang="en-US"/>
           </a:p>
         </p:txBody>
       </p:sp>
     </p:spTree>
-    <p:extLst>
-      <p:ext uri="{BB962C8B-B14F-4D97-AF65-F5344CB8AC3E}">
-        <p14:creationId xmlns:p14="http://schemas.microsoft.com/office/powerpoint/2010/main" val="132804873"/>
-      </p:ext>
-    </p:extLst>
   </p:cSld>
   <p:clrMapOvr>
     <a:masterClrMapping/>
@@ -999,6 +978,7 @@
               <a:rPr lang="zh-CN" altLang="en-US" smtClean="0"/>
               <a:t>单击此处编辑母版文本样式</a:t>
             </a:r>
+            <a:endParaRPr lang="zh-CN" altLang="en-US" smtClean="0"/>
           </a:p>
         </p:txBody>
       </p:sp>
@@ -1019,7 +999,6 @@
           <a:p>
             <a:fld id="{13954AF2-503E-426F-8740-22E56E371511}" type="datetimeFigureOut">
               <a:rPr lang="zh-CN" altLang="en-US" smtClean="0"/>
-              <a:t>2018/12/25</a:t>
             </a:fld>
             <a:endParaRPr lang="zh-CN" altLang="en-US" dirty="0"/>
           </a:p>
@@ -1061,18 +1040,12 @@
           <a:p>
             <a:fld id="{9F847256-E239-4B61-8876-51653AA1E2CB}" type="slidenum">
               <a:rPr lang="zh-CN" altLang="en-US" smtClean="0"/>
-              <a:t>‹#›</a:t>
             </a:fld>
             <a:endParaRPr lang="zh-CN" altLang="en-US"/>
           </a:p>
         </p:txBody>
       </p:sp>
     </p:spTree>
-    <p:extLst>
-      <p:ext uri="{BB962C8B-B14F-4D97-AF65-F5344CB8AC3E}">
-        <p14:creationId xmlns:p14="http://schemas.microsoft.com/office/powerpoint/2010/main" val="3181902107"/>
-      </p:ext>
-    </p:extLst>
   </p:cSld>
   <p:clrMapOvr>
     <a:masterClrMapping/>
@@ -1193,6 +1166,7 @@
               <a:rPr lang="zh-CN" altLang="en-US" smtClean="0"/>
               <a:t>单击此处编辑母版文本样式</a:t>
             </a:r>
+            <a:endParaRPr lang="zh-CN" altLang="en-US" smtClean="0"/>
           </a:p>
         </p:txBody>
       </p:sp>
@@ -1213,7 +1187,6 @@
           <a:p>
             <a:fld id="{13954AF2-503E-426F-8740-22E56E371511}" type="datetimeFigureOut">
               <a:rPr lang="zh-CN" altLang="en-US" smtClean="0"/>
-              <a:t>2018/12/25</a:t>
             </a:fld>
             <a:endParaRPr lang="zh-CN" altLang="en-US" dirty="0"/>
           </a:p>
@@ -1255,18 +1228,12 @@
           <a:p>
             <a:fld id="{9F847256-E239-4B61-8876-51653AA1E2CB}" type="slidenum">
               <a:rPr lang="zh-CN" altLang="en-US" smtClean="0"/>
-              <a:t>‹#›</a:t>
             </a:fld>
             <a:endParaRPr lang="zh-CN" altLang="en-US"/>
           </a:p>
         </p:txBody>
       </p:sp>
     </p:spTree>
-    <p:extLst>
-      <p:ext uri="{BB962C8B-B14F-4D97-AF65-F5344CB8AC3E}">
-        <p14:creationId xmlns:p14="http://schemas.microsoft.com/office/powerpoint/2010/main" val="3273391964"/>
-      </p:ext>
-    </p:extLst>
   </p:cSld>
   <p:clrMapOvr>
     <a:masterClrMapping/>
@@ -1399,6 +1366,7 @@
               <a:rPr lang="zh-CN" altLang="en-US" smtClean="0"/>
               <a:t>单击此处编辑母版文本样式</a:t>
             </a:r>
+            <a:endParaRPr lang="zh-CN" altLang="en-US" smtClean="0"/>
           </a:p>
         </p:txBody>
       </p:sp>
@@ -1466,6 +1434,7 @@
               <a:rPr lang="zh-CN" altLang="en-US" smtClean="0"/>
               <a:t>单击此处编辑母版文本样式</a:t>
             </a:r>
+            <a:endParaRPr lang="zh-CN" altLang="en-US" smtClean="0"/>
           </a:p>
         </p:txBody>
       </p:sp>
@@ -1486,7 +1455,6 @@
           <a:p>
             <a:fld id="{13954AF2-503E-426F-8740-22E56E371511}" type="datetimeFigureOut">
               <a:rPr lang="zh-CN" altLang="en-US" smtClean="0"/>
-              <a:t>2018/12/25</a:t>
             </a:fld>
             <a:endParaRPr lang="zh-CN" altLang="en-US" dirty="0"/>
           </a:p>
@@ -1528,7 +1496,6 @@
           <a:p>
             <a:fld id="{9F847256-E239-4B61-8876-51653AA1E2CB}" type="slidenum">
               <a:rPr lang="zh-CN" altLang="en-US" smtClean="0"/>
-              <a:t>‹#›</a:t>
             </a:fld>
             <a:endParaRPr lang="zh-CN" altLang="en-US"/>
           </a:p>
@@ -1566,7 +1533,7 @@
                     <a:lumOff val="60000"/>
                   </a:schemeClr>
                 </a:solidFill>
-                <a:latin typeface="Arial"/>
+                <a:latin typeface="Arial" panose="020B0604020202020204"/>
                 <a:ea typeface="+mj-ea"/>
                 <a:cs typeface="+mj-cs"/>
               </a:defRPr>
@@ -1578,6 +1545,7 @@
               <a:rPr lang="en-US" dirty="0"/>
               <a:t>“</a:t>
             </a:r>
+            <a:endParaRPr lang="en-US" dirty="0"/>
           </a:p>
         </p:txBody>
       </p:sp>
@@ -1613,7 +1581,7 @@
                     <a:lumOff val="60000"/>
                   </a:schemeClr>
                 </a:solidFill>
-                <a:latin typeface="Arial"/>
+                <a:latin typeface="Arial" panose="020B0604020202020204"/>
                 <a:ea typeface="+mj-ea"/>
                 <a:cs typeface="+mj-cs"/>
               </a:defRPr>
@@ -1625,15 +1593,11 @@
               <a:rPr lang="en-US" dirty="0"/>
               <a:t>”</a:t>
             </a:r>
+            <a:endParaRPr lang="en-US" dirty="0"/>
           </a:p>
         </p:txBody>
       </p:sp>
     </p:spTree>
-    <p:extLst>
-      <p:ext uri="{BB962C8B-B14F-4D97-AF65-F5344CB8AC3E}">
-        <p14:creationId xmlns:p14="http://schemas.microsoft.com/office/powerpoint/2010/main" val="3926903967"/>
-      </p:ext>
-    </p:extLst>
   </p:cSld>
   <p:clrMapOvr>
     <a:masterClrMapping/>
@@ -1807,6 +1771,7 @@
               <a:rPr lang="zh-CN" altLang="en-US" smtClean="0"/>
               <a:t>单击此处编辑母版文本样式</a:t>
             </a:r>
+            <a:endParaRPr lang="zh-CN" altLang="en-US" smtClean="0"/>
           </a:p>
         </p:txBody>
       </p:sp>
@@ -1827,7 +1792,6 @@
           <a:p>
             <a:fld id="{13954AF2-503E-426F-8740-22E56E371511}" type="datetimeFigureOut">
               <a:rPr lang="zh-CN" altLang="en-US" smtClean="0"/>
-              <a:t>2018/12/25</a:t>
             </a:fld>
             <a:endParaRPr lang="zh-CN" altLang="en-US" dirty="0"/>
           </a:p>
@@ -1869,18 +1833,12 @@
           <a:p>
             <a:fld id="{9F847256-E239-4B61-8876-51653AA1E2CB}" type="slidenum">
               <a:rPr lang="zh-CN" altLang="en-US" smtClean="0"/>
-              <a:t>‹#›</a:t>
             </a:fld>
             <a:endParaRPr lang="zh-CN" altLang="en-US"/>
           </a:p>
         </p:txBody>
       </p:sp>
     </p:spTree>
-    <p:extLst>
-      <p:ext uri="{BB962C8B-B14F-4D97-AF65-F5344CB8AC3E}">
-        <p14:creationId xmlns:p14="http://schemas.microsoft.com/office/powerpoint/2010/main" val="3038556607"/>
-      </p:ext>
-    </p:extLst>
   </p:cSld>
   <p:clrMapOvr>
     <a:masterClrMapping/>
@@ -2003,6 +1961,7 @@
               <a:rPr lang="zh-CN" altLang="en-US" smtClean="0"/>
               <a:t>单击此处编辑母版文本样式</a:t>
             </a:r>
+            <a:endParaRPr lang="zh-CN" altLang="en-US" smtClean="0"/>
           </a:p>
         </p:txBody>
       </p:sp>
@@ -2070,6 +2029,7 @@
               <a:rPr lang="zh-CN" altLang="en-US" smtClean="0"/>
               <a:t>单击此处编辑母版文本样式</a:t>
             </a:r>
+            <a:endParaRPr lang="zh-CN" altLang="en-US" smtClean="0"/>
           </a:p>
         </p:txBody>
       </p:sp>
@@ -2144,6 +2104,7 @@
               <a:rPr lang="zh-CN" altLang="en-US" smtClean="0"/>
               <a:t>单击此处编辑母版文本样式</a:t>
             </a:r>
+            <a:endParaRPr lang="zh-CN" altLang="en-US" smtClean="0"/>
           </a:p>
         </p:txBody>
       </p:sp>
@@ -2211,6 +2172,7 @@
               <a:rPr lang="zh-CN" altLang="en-US" smtClean="0"/>
               <a:t>单击此处编辑母版文本样式</a:t>
             </a:r>
+            <a:endParaRPr lang="zh-CN" altLang="en-US" smtClean="0"/>
           </a:p>
         </p:txBody>
       </p:sp>
@@ -2285,6 +2247,7 @@
               <a:rPr lang="zh-CN" altLang="en-US" smtClean="0"/>
               <a:t>单击此处编辑母版文本样式</a:t>
             </a:r>
+            <a:endParaRPr lang="zh-CN" altLang="en-US" smtClean="0"/>
           </a:p>
         </p:txBody>
       </p:sp>
@@ -2352,6 +2315,7 @@
               <a:rPr lang="zh-CN" altLang="en-US" smtClean="0"/>
               <a:t>单击此处编辑母版文本样式</a:t>
             </a:r>
+            <a:endParaRPr lang="zh-CN" altLang="en-US" smtClean="0"/>
           </a:p>
         </p:txBody>
       </p:sp>
@@ -2450,7 +2414,6 @@
           <a:p>
             <a:fld id="{13954AF2-503E-426F-8740-22E56E371511}" type="datetimeFigureOut">
               <a:rPr lang="zh-CN" altLang="en-US" smtClean="0"/>
-              <a:t>2018/12/25</a:t>
             </a:fld>
             <a:endParaRPr lang="zh-CN" altLang="en-US" dirty="0"/>
           </a:p>
@@ -2492,18 +2455,12 @@
           <a:p>
             <a:fld id="{9F847256-E239-4B61-8876-51653AA1E2CB}" type="slidenum">
               <a:rPr lang="zh-CN" altLang="en-US" smtClean="0"/>
-              <a:t>‹#›</a:t>
             </a:fld>
             <a:endParaRPr lang="zh-CN" altLang="en-US"/>
           </a:p>
         </p:txBody>
       </p:sp>
     </p:spTree>
-    <p:extLst>
-      <p:ext uri="{BB962C8B-B14F-4D97-AF65-F5344CB8AC3E}">
-        <p14:creationId xmlns:p14="http://schemas.microsoft.com/office/powerpoint/2010/main" val="3386374917"/>
-      </p:ext>
-    </p:extLst>
   </p:cSld>
   <p:clrMapOvr>
     <a:masterClrMapping/>
@@ -2626,6 +2583,7 @@
               <a:rPr lang="zh-CN" altLang="en-US" smtClean="0"/>
               <a:t>单击此处编辑母版文本样式</a:t>
             </a:r>
+            <a:endParaRPr lang="zh-CN" altLang="en-US" smtClean="0"/>
           </a:p>
         </p:txBody>
       </p:sp>
@@ -2772,6 +2730,7 @@
               <a:rPr lang="zh-CN" altLang="en-US" smtClean="0"/>
               <a:t>单击此处编辑母版文本样式</a:t>
             </a:r>
+            <a:endParaRPr lang="zh-CN" altLang="en-US" smtClean="0"/>
           </a:p>
         </p:txBody>
       </p:sp>
@@ -2846,6 +2805,7 @@
               <a:rPr lang="zh-CN" altLang="en-US" smtClean="0"/>
               <a:t>单击此处编辑母版文本样式</a:t>
             </a:r>
+            <a:endParaRPr lang="zh-CN" altLang="en-US" smtClean="0"/>
           </a:p>
         </p:txBody>
       </p:sp>
@@ -2992,6 +2952,7 @@
               <a:rPr lang="zh-CN" altLang="en-US" smtClean="0"/>
               <a:t>单击此处编辑母版文本样式</a:t>
             </a:r>
+            <a:endParaRPr lang="zh-CN" altLang="en-US" smtClean="0"/>
           </a:p>
         </p:txBody>
       </p:sp>
@@ -3066,6 +3027,7 @@
               <a:rPr lang="zh-CN" altLang="en-US" smtClean="0"/>
               <a:t>单击此处编辑母版文本样式</a:t>
             </a:r>
+            <a:endParaRPr lang="zh-CN" altLang="en-US" smtClean="0"/>
           </a:p>
         </p:txBody>
       </p:sp>
@@ -3212,6 +3174,7 @@
               <a:rPr lang="zh-CN" altLang="en-US" smtClean="0"/>
               <a:t>单击此处编辑母版文本样式</a:t>
             </a:r>
+            <a:endParaRPr lang="zh-CN" altLang="en-US" smtClean="0"/>
           </a:p>
         </p:txBody>
       </p:sp>
@@ -3310,7 +3273,6 @@
           <a:p>
             <a:fld id="{13954AF2-503E-426F-8740-22E56E371511}" type="datetimeFigureOut">
               <a:rPr lang="zh-CN" altLang="en-US" smtClean="0"/>
-              <a:t>2018/12/25</a:t>
             </a:fld>
             <a:endParaRPr lang="zh-CN" altLang="en-US" dirty="0"/>
           </a:p>
@@ -3352,18 +3314,12 @@
           <a:p>
             <a:fld id="{9F847256-E239-4B61-8876-51653AA1E2CB}" type="slidenum">
               <a:rPr lang="zh-CN" altLang="en-US" smtClean="0"/>
-              <a:t>‹#›</a:t>
             </a:fld>
             <a:endParaRPr lang="zh-CN" altLang="en-US"/>
           </a:p>
         </p:txBody>
       </p:sp>
     </p:spTree>
-    <p:extLst>
-      <p:ext uri="{BB962C8B-B14F-4D97-AF65-F5344CB8AC3E}">
-        <p14:creationId xmlns:p14="http://schemas.microsoft.com/office/powerpoint/2010/main" val="1439354095"/>
-      </p:ext>
-    </p:extLst>
   </p:cSld>
   <p:clrMapOvr>
     <a:masterClrMapping/>
@@ -3431,6 +3387,7 @@
               <a:rPr lang="zh-CN" altLang="en-US" smtClean="0"/>
               <a:t>单击此处编辑母版文本样式</a:t>
             </a:r>
+            <a:endParaRPr lang="zh-CN" altLang="en-US" smtClean="0"/>
           </a:p>
           <a:p>
             <a:pPr lvl="1"/>
@@ -3438,6 +3395,7 @@
               <a:rPr lang="zh-CN" altLang="en-US" smtClean="0"/>
               <a:t>第二级</a:t>
             </a:r>
+            <a:endParaRPr lang="zh-CN" altLang="en-US" smtClean="0"/>
           </a:p>
           <a:p>
             <a:pPr lvl="2"/>
@@ -3445,6 +3403,7 @@
               <a:rPr lang="zh-CN" altLang="en-US" smtClean="0"/>
               <a:t>第三级</a:t>
             </a:r>
+            <a:endParaRPr lang="zh-CN" altLang="en-US" smtClean="0"/>
           </a:p>
           <a:p>
             <a:pPr lvl="3"/>
@@ -3452,6 +3411,7 @@
               <a:rPr lang="zh-CN" altLang="en-US" smtClean="0"/>
               <a:t>第四级</a:t>
             </a:r>
+            <a:endParaRPr lang="zh-CN" altLang="en-US" smtClean="0"/>
           </a:p>
           <a:p>
             <a:pPr lvl="4"/>
@@ -3480,7 +3440,6 @@
           <a:p>
             <a:fld id="{13954AF2-503E-426F-8740-22E56E371511}" type="datetimeFigureOut">
               <a:rPr lang="zh-CN" altLang="en-US" smtClean="0"/>
-              <a:t>2018/12/25</a:t>
             </a:fld>
             <a:endParaRPr lang="zh-CN" altLang="en-US" dirty="0"/>
           </a:p>
@@ -3522,18 +3481,12 @@
           <a:p>
             <a:fld id="{9F847256-E239-4B61-8876-51653AA1E2CB}" type="slidenum">
               <a:rPr lang="zh-CN" altLang="en-US" smtClean="0"/>
-              <a:t>‹#›</a:t>
             </a:fld>
             <a:endParaRPr lang="zh-CN" altLang="en-US"/>
           </a:p>
         </p:txBody>
       </p:sp>
     </p:spTree>
-    <p:extLst>
-      <p:ext uri="{BB962C8B-B14F-4D97-AF65-F5344CB8AC3E}">
-        <p14:creationId xmlns:p14="http://schemas.microsoft.com/office/powerpoint/2010/main" val="4211508281"/>
-      </p:ext>
-    </p:extLst>
   </p:cSld>
   <p:clrMapOvr>
     <a:masterClrMapping/>
@@ -3611,6 +3564,7 @@
               <a:rPr lang="zh-CN" altLang="en-US" smtClean="0"/>
               <a:t>单击此处编辑母版文本样式</a:t>
             </a:r>
+            <a:endParaRPr lang="zh-CN" altLang="en-US" smtClean="0"/>
           </a:p>
           <a:p>
             <a:pPr lvl="1"/>
@@ -3618,6 +3572,7 @@
               <a:rPr lang="zh-CN" altLang="en-US" smtClean="0"/>
               <a:t>第二级</a:t>
             </a:r>
+            <a:endParaRPr lang="zh-CN" altLang="en-US" smtClean="0"/>
           </a:p>
           <a:p>
             <a:pPr lvl="2"/>
@@ -3625,6 +3580,7 @@
               <a:rPr lang="zh-CN" altLang="en-US" smtClean="0"/>
               <a:t>第三级</a:t>
             </a:r>
+            <a:endParaRPr lang="zh-CN" altLang="en-US" smtClean="0"/>
           </a:p>
           <a:p>
             <a:pPr lvl="3"/>
@@ -3632,6 +3588,7 @@
               <a:rPr lang="zh-CN" altLang="en-US" smtClean="0"/>
               <a:t>第四级</a:t>
             </a:r>
+            <a:endParaRPr lang="zh-CN" altLang="en-US" smtClean="0"/>
           </a:p>
           <a:p>
             <a:pPr lvl="4"/>
@@ -3660,7 +3617,6 @@
           <a:p>
             <a:fld id="{13954AF2-503E-426F-8740-22E56E371511}" type="datetimeFigureOut">
               <a:rPr lang="zh-CN" altLang="en-US" smtClean="0"/>
-              <a:t>2018/12/25</a:t>
             </a:fld>
             <a:endParaRPr lang="zh-CN" altLang="en-US" dirty="0"/>
           </a:p>
@@ -3702,18 +3658,12 @@
           <a:p>
             <a:fld id="{9F847256-E239-4B61-8876-51653AA1E2CB}" type="slidenum">
               <a:rPr lang="zh-CN" altLang="en-US" smtClean="0"/>
-              <a:t>‹#›</a:t>
             </a:fld>
             <a:endParaRPr lang="zh-CN" altLang="en-US"/>
           </a:p>
         </p:txBody>
       </p:sp>
     </p:spTree>
-    <p:extLst>
-      <p:ext uri="{BB962C8B-B14F-4D97-AF65-F5344CB8AC3E}">
-        <p14:creationId xmlns:p14="http://schemas.microsoft.com/office/powerpoint/2010/main" val="453245995"/>
-      </p:ext>
-    </p:extLst>
   </p:cSld>
   <p:clrMapOvr>
     <a:masterClrMapping/>
@@ -4381,9 +4331,7 @@
               </a:defRPr>
             </a:lvl9pPr>
           </a:lstStyle>
-          <a:p>
-            <a:endParaRPr/>
-          </a:p>
+          <a:p/>
         </p:txBody>
       </p:sp>
       <p:sp>
@@ -4505,6 +4453,7 @@
               <a:rPr lang="zh-CN" altLang="en-US" dirty="0"/>
               <a:t>单击此处编辑母版文本样式</a:t>
             </a:r>
+            <a:endParaRPr lang="zh-CN" altLang="en-US" dirty="0"/>
           </a:p>
         </p:txBody>
       </p:sp>
@@ -4525,7 +4474,6 @@
           <a:p>
             <a:fld id="{13954AF2-503E-426F-8740-22E56E371511}" type="datetimeFigureOut">
               <a:rPr lang="zh-CN" altLang="en-US" smtClean="0"/>
-              <a:t>2018/12/25</a:t>
             </a:fld>
             <a:endParaRPr lang="zh-CN" altLang="en-US"/>
           </a:p>
@@ -4567,18 +4515,12 @@
           <a:p>
             <a:fld id="{9F847256-E239-4B61-8876-51653AA1E2CB}" type="slidenum">
               <a:rPr lang="zh-CN" altLang="en-US" smtClean="0"/>
-              <a:t>‹#›</a:t>
             </a:fld>
             <a:endParaRPr lang="zh-CN" altLang="en-US"/>
           </a:p>
         </p:txBody>
       </p:sp>
     </p:spTree>
-    <p:extLst>
-      <p:ext uri="{BB962C8B-B14F-4D97-AF65-F5344CB8AC3E}">
-        <p14:creationId xmlns:p14="http://schemas.microsoft.com/office/powerpoint/2010/main" val="2867458442"/>
-      </p:ext>
-    </p:extLst>
   </p:cSld>
   <p:clrMapOvr>
     <a:masterClrMapping/>
@@ -4620,7 +4562,6 @@
           <a:p>
             <a:fld id="{760FBDFE-C587-4B4C-A407-44438C67B59E}" type="datetimeFigureOut">
               <a:rPr lang="zh-CN" altLang="en-US" smtClean="0"/>
-              <a:t>2018/12/25</a:t>
             </a:fld>
             <a:endParaRPr lang="zh-CN" altLang="en-US"/>
           </a:p>
@@ -4662,7 +4603,6 @@
           <a:p>
             <a:fld id="{49AE70B2-8BF9-45C0-BB95-33D1B9D3A854}" type="slidenum">
               <a:rPr lang="zh-CN" altLang="en-US" smtClean="0"/>
-              <a:t>‹#›</a:t>
             </a:fld>
             <a:endParaRPr lang="zh-CN" altLang="en-US"/>
           </a:p>
@@ -4693,6 +4633,7 @@
               <a:rPr lang="zh-CN" altLang="en-US" dirty="0"/>
               <a:t>单击此处编辑母版文本样式</a:t>
             </a:r>
+            <a:endParaRPr lang="zh-CN" altLang="en-US" dirty="0"/>
           </a:p>
           <a:p>
             <a:pPr lvl="1"/>
@@ -4700,6 +4641,7 @@
               <a:rPr lang="zh-CN" altLang="en-US" dirty="0"/>
               <a:t>第二级</a:t>
             </a:r>
+            <a:endParaRPr lang="zh-CN" altLang="en-US" dirty="0"/>
           </a:p>
           <a:p>
             <a:pPr lvl="2"/>
@@ -4707,6 +4649,7 @@
               <a:rPr lang="zh-CN" altLang="en-US" dirty="0"/>
               <a:t>第三级</a:t>
             </a:r>
+            <a:endParaRPr lang="zh-CN" altLang="en-US" dirty="0"/>
           </a:p>
           <a:p>
             <a:pPr lvl="3"/>
@@ -4714,6 +4657,7 @@
               <a:rPr lang="zh-CN" altLang="en-US" dirty="0"/>
               <a:t>第四级</a:t>
             </a:r>
+            <a:endParaRPr lang="zh-CN" altLang="en-US" dirty="0"/>
           </a:p>
           <a:p>
             <a:pPr lvl="4"/>
@@ -4721,6 +4665,7 @@
               <a:rPr lang="zh-CN" altLang="en-US" dirty="0"/>
               <a:t>第五级</a:t>
             </a:r>
+            <a:endParaRPr lang="zh-CN" altLang="en-US" dirty="0"/>
           </a:p>
         </p:txBody>
       </p:sp>
@@ -4792,6 +4737,7 @@
               <a:rPr lang="zh-CN" altLang="en-US" smtClean="0"/>
               <a:t>单击此处编辑母版文本样式</a:t>
             </a:r>
+            <a:endParaRPr lang="zh-CN" altLang="en-US" smtClean="0"/>
           </a:p>
           <a:p>
             <a:pPr lvl="1"/>
@@ -4799,6 +4745,7 @@
               <a:rPr lang="zh-CN" altLang="en-US" smtClean="0"/>
               <a:t>第二级</a:t>
             </a:r>
+            <a:endParaRPr lang="zh-CN" altLang="en-US" smtClean="0"/>
           </a:p>
           <a:p>
             <a:pPr lvl="2"/>
@@ -4806,6 +4753,7 @@
               <a:rPr lang="zh-CN" altLang="en-US" smtClean="0"/>
               <a:t>第三级</a:t>
             </a:r>
+            <a:endParaRPr lang="zh-CN" altLang="en-US" smtClean="0"/>
           </a:p>
           <a:p>
             <a:pPr lvl="3"/>
@@ -4813,6 +4761,7 @@
               <a:rPr lang="zh-CN" altLang="en-US" smtClean="0"/>
               <a:t>第四级</a:t>
             </a:r>
+            <a:endParaRPr lang="zh-CN" altLang="en-US" smtClean="0"/>
           </a:p>
           <a:p>
             <a:pPr lvl="4"/>
@@ -4841,7 +4790,6 @@
           <a:p>
             <a:fld id="{13954AF2-503E-426F-8740-22E56E371511}" type="datetimeFigureOut">
               <a:rPr lang="zh-CN" altLang="en-US" smtClean="0"/>
-              <a:t>2018/12/25</a:t>
             </a:fld>
             <a:endParaRPr lang="zh-CN" altLang="en-US"/>
           </a:p>
@@ -4883,18 +4831,12 @@
           <a:p>
             <a:fld id="{9F847256-E239-4B61-8876-51653AA1E2CB}" type="slidenum">
               <a:rPr lang="zh-CN" altLang="en-US" smtClean="0"/>
-              <a:t>‹#›</a:t>
             </a:fld>
             <a:endParaRPr lang="zh-CN" altLang="en-US"/>
           </a:p>
         </p:txBody>
       </p:sp>
     </p:spTree>
-    <p:extLst>
-      <p:ext uri="{BB962C8B-B14F-4D97-AF65-F5344CB8AC3E}">
-        <p14:creationId xmlns:p14="http://schemas.microsoft.com/office/powerpoint/2010/main" val="190844327"/>
-      </p:ext>
-    </p:extLst>
   </p:cSld>
   <p:clrMapOvr>
     <a:masterClrMapping/>
@@ -5068,6 +5010,7 @@
               <a:rPr lang="zh-CN" altLang="en-US" smtClean="0"/>
               <a:t>单击此处编辑母版文本样式</a:t>
             </a:r>
+            <a:endParaRPr lang="zh-CN" altLang="en-US" smtClean="0"/>
           </a:p>
         </p:txBody>
       </p:sp>
@@ -5088,7 +5031,6 @@
           <a:p>
             <a:fld id="{13954AF2-503E-426F-8740-22E56E371511}" type="datetimeFigureOut">
               <a:rPr lang="zh-CN" altLang="en-US" smtClean="0"/>
-              <a:t>2018/12/25</a:t>
             </a:fld>
             <a:endParaRPr lang="zh-CN" altLang="en-US" dirty="0"/>
           </a:p>
@@ -5130,18 +5072,12 @@
           <a:p>
             <a:fld id="{9F847256-E239-4B61-8876-51653AA1E2CB}" type="slidenum">
               <a:rPr lang="zh-CN" altLang="en-US" smtClean="0"/>
-              <a:t>‹#›</a:t>
             </a:fld>
             <a:endParaRPr lang="zh-CN" altLang="en-US"/>
           </a:p>
         </p:txBody>
       </p:sp>
     </p:spTree>
-    <p:extLst>
-      <p:ext uri="{BB962C8B-B14F-4D97-AF65-F5344CB8AC3E}">
-        <p14:creationId xmlns:p14="http://schemas.microsoft.com/office/powerpoint/2010/main" val="3644425818"/>
-      </p:ext>
-    </p:extLst>
   </p:cSld>
   <p:clrMapOvr>
     <a:masterClrMapping/>
@@ -5244,6 +5180,7 @@
               <a:rPr lang="zh-CN" altLang="en-US" smtClean="0"/>
               <a:t>单击此处编辑母版文本样式</a:t>
             </a:r>
+            <a:endParaRPr lang="zh-CN" altLang="en-US" smtClean="0"/>
           </a:p>
           <a:p>
             <a:pPr lvl="1"/>
@@ -5251,6 +5188,7 @@
               <a:rPr lang="zh-CN" altLang="en-US" smtClean="0"/>
               <a:t>第二级</a:t>
             </a:r>
+            <a:endParaRPr lang="zh-CN" altLang="en-US" smtClean="0"/>
           </a:p>
           <a:p>
             <a:pPr lvl="2"/>
@@ -5258,6 +5196,7 @@
               <a:rPr lang="zh-CN" altLang="en-US" smtClean="0"/>
               <a:t>第三级</a:t>
             </a:r>
+            <a:endParaRPr lang="zh-CN" altLang="en-US" smtClean="0"/>
           </a:p>
           <a:p>
             <a:pPr lvl="3"/>
@@ -5265,6 +5204,7 @@
               <a:rPr lang="zh-CN" altLang="en-US" smtClean="0"/>
               <a:t>第四级</a:t>
             </a:r>
+            <a:endParaRPr lang="zh-CN" altLang="en-US" smtClean="0"/>
           </a:p>
           <a:p>
             <a:pPr lvl="4"/>
@@ -5331,6 +5271,7 @@
               <a:rPr lang="zh-CN" altLang="en-US" smtClean="0"/>
               <a:t>单击此处编辑母版文本样式</a:t>
             </a:r>
+            <a:endParaRPr lang="zh-CN" altLang="en-US" smtClean="0"/>
           </a:p>
           <a:p>
             <a:pPr lvl="1"/>
@@ -5338,6 +5279,7 @@
               <a:rPr lang="zh-CN" altLang="en-US" smtClean="0"/>
               <a:t>第二级</a:t>
             </a:r>
+            <a:endParaRPr lang="zh-CN" altLang="en-US" smtClean="0"/>
           </a:p>
           <a:p>
             <a:pPr lvl="2"/>
@@ -5345,6 +5287,7 @@
               <a:rPr lang="zh-CN" altLang="en-US" smtClean="0"/>
               <a:t>第三级</a:t>
             </a:r>
+            <a:endParaRPr lang="zh-CN" altLang="en-US" smtClean="0"/>
           </a:p>
           <a:p>
             <a:pPr lvl="3"/>
@@ -5352,6 +5295,7 @@
               <a:rPr lang="zh-CN" altLang="en-US" smtClean="0"/>
               <a:t>第四级</a:t>
             </a:r>
+            <a:endParaRPr lang="zh-CN" altLang="en-US" smtClean="0"/>
           </a:p>
           <a:p>
             <a:pPr lvl="4"/>
@@ -5380,7 +5324,6 @@
           <a:p>
             <a:fld id="{13954AF2-503E-426F-8740-22E56E371511}" type="datetimeFigureOut">
               <a:rPr lang="zh-CN" altLang="en-US" smtClean="0"/>
-              <a:t>2018/12/25</a:t>
             </a:fld>
             <a:endParaRPr lang="zh-CN" altLang="en-US"/>
           </a:p>
@@ -5422,18 +5365,12 @@
           <a:p>
             <a:fld id="{9F847256-E239-4B61-8876-51653AA1E2CB}" type="slidenum">
               <a:rPr lang="zh-CN" altLang="en-US" smtClean="0"/>
-              <a:t>‹#›</a:t>
             </a:fld>
             <a:endParaRPr lang="zh-CN" altLang="en-US"/>
           </a:p>
         </p:txBody>
       </p:sp>
     </p:spTree>
-    <p:extLst>
-      <p:ext uri="{BB962C8B-B14F-4D97-AF65-F5344CB8AC3E}">
-        <p14:creationId xmlns:p14="http://schemas.microsoft.com/office/powerpoint/2010/main" val="3094379824"/>
-      </p:ext>
-    </p:extLst>
   </p:cSld>
   <p:clrMapOvr>
     <a:masterClrMapping/>
@@ -5556,6 +5493,7 @@
               <a:rPr lang="zh-CN" altLang="en-US" smtClean="0"/>
               <a:t>单击此处编辑母版文本样式</a:t>
             </a:r>
+            <a:endParaRPr lang="zh-CN" altLang="en-US" smtClean="0"/>
           </a:p>
         </p:txBody>
       </p:sp>
@@ -5614,6 +5552,7 @@
               <a:rPr lang="zh-CN" altLang="en-US" smtClean="0"/>
               <a:t>单击此处编辑母版文本样式</a:t>
             </a:r>
+            <a:endParaRPr lang="zh-CN" altLang="en-US" smtClean="0"/>
           </a:p>
           <a:p>
             <a:pPr lvl="1"/>
@@ -5621,6 +5560,7 @@
               <a:rPr lang="zh-CN" altLang="en-US" smtClean="0"/>
               <a:t>第二级</a:t>
             </a:r>
+            <a:endParaRPr lang="zh-CN" altLang="en-US" smtClean="0"/>
           </a:p>
           <a:p>
             <a:pPr lvl="2"/>
@@ -5628,6 +5568,7 @@
               <a:rPr lang="zh-CN" altLang="en-US" smtClean="0"/>
               <a:t>第三级</a:t>
             </a:r>
+            <a:endParaRPr lang="zh-CN" altLang="en-US" smtClean="0"/>
           </a:p>
           <a:p>
             <a:pPr lvl="3"/>
@@ -5635,6 +5576,7 @@
               <a:rPr lang="zh-CN" altLang="en-US" smtClean="0"/>
               <a:t>第四级</a:t>
             </a:r>
+            <a:endParaRPr lang="zh-CN" altLang="en-US" smtClean="0"/>
           </a:p>
           <a:p>
             <a:pPr lvl="4"/>
@@ -5717,6 +5659,7 @@
               <a:rPr lang="zh-CN" altLang="en-US" smtClean="0"/>
               <a:t>单击此处编辑母版文本样式</a:t>
             </a:r>
+            <a:endParaRPr lang="zh-CN" altLang="en-US" smtClean="0"/>
           </a:p>
         </p:txBody>
       </p:sp>
@@ -5775,6 +5718,7 @@
               <a:rPr lang="zh-CN" altLang="en-US" smtClean="0"/>
               <a:t>单击此处编辑母版文本样式</a:t>
             </a:r>
+            <a:endParaRPr lang="zh-CN" altLang="en-US" smtClean="0"/>
           </a:p>
           <a:p>
             <a:pPr lvl="1"/>
@@ -5782,6 +5726,7 @@
               <a:rPr lang="zh-CN" altLang="en-US" smtClean="0"/>
               <a:t>第二级</a:t>
             </a:r>
+            <a:endParaRPr lang="zh-CN" altLang="en-US" smtClean="0"/>
           </a:p>
           <a:p>
             <a:pPr lvl="2"/>
@@ -5789,6 +5734,7 @@
               <a:rPr lang="zh-CN" altLang="en-US" smtClean="0"/>
               <a:t>第三级</a:t>
             </a:r>
+            <a:endParaRPr lang="zh-CN" altLang="en-US" smtClean="0"/>
           </a:p>
           <a:p>
             <a:pPr lvl="3"/>
@@ -5796,6 +5742,7 @@
               <a:rPr lang="zh-CN" altLang="en-US" smtClean="0"/>
               <a:t>第四级</a:t>
             </a:r>
+            <a:endParaRPr lang="zh-CN" altLang="en-US" smtClean="0"/>
           </a:p>
           <a:p>
             <a:pPr lvl="4"/>
@@ -5824,7 +5771,6 @@
           <a:p>
             <a:fld id="{13954AF2-503E-426F-8740-22E56E371511}" type="datetimeFigureOut">
               <a:rPr lang="zh-CN" altLang="en-US" smtClean="0"/>
-              <a:t>2018/12/25</a:t>
             </a:fld>
             <a:endParaRPr lang="zh-CN" altLang="en-US"/>
           </a:p>
@@ -5866,18 +5812,12 @@
           <a:p>
             <a:fld id="{9F847256-E239-4B61-8876-51653AA1E2CB}" type="slidenum">
               <a:rPr lang="zh-CN" altLang="en-US" smtClean="0"/>
-              <a:t>‹#›</a:t>
             </a:fld>
             <a:endParaRPr lang="zh-CN" altLang="en-US"/>
           </a:p>
         </p:txBody>
       </p:sp>
     </p:spTree>
-    <p:extLst>
-      <p:ext uri="{BB962C8B-B14F-4D97-AF65-F5344CB8AC3E}">
-        <p14:creationId xmlns:p14="http://schemas.microsoft.com/office/powerpoint/2010/main" val="711835724"/>
-      </p:ext>
-    </p:extLst>
   </p:cSld>
   <p:clrMapOvr>
     <a:masterClrMapping/>
@@ -5942,7 +5882,6 @@
           <a:p>
             <a:fld id="{13954AF2-503E-426F-8740-22E56E371511}" type="datetimeFigureOut">
               <a:rPr lang="zh-CN" altLang="en-US" smtClean="0"/>
-              <a:t>2018/12/25</a:t>
             </a:fld>
             <a:endParaRPr lang="zh-CN" altLang="en-US"/>
           </a:p>
@@ -5984,18 +5923,12 @@
           <a:p>
             <a:fld id="{9F847256-E239-4B61-8876-51653AA1E2CB}" type="slidenum">
               <a:rPr lang="zh-CN" altLang="en-US" smtClean="0"/>
-              <a:t>‹#›</a:t>
             </a:fld>
             <a:endParaRPr lang="zh-CN" altLang="en-US"/>
           </a:p>
         </p:txBody>
       </p:sp>
     </p:spTree>
-    <p:extLst>
-      <p:ext uri="{BB962C8B-B14F-4D97-AF65-F5344CB8AC3E}">
-        <p14:creationId xmlns:p14="http://schemas.microsoft.com/office/powerpoint/2010/main" val="1308291425"/>
-      </p:ext>
-    </p:extLst>
   </p:cSld>
   <p:clrMapOvr>
     <a:masterClrMapping/>
@@ -6037,7 +5970,6 @@
           <a:p>
             <a:fld id="{13954AF2-503E-426F-8740-22E56E371511}" type="datetimeFigureOut">
               <a:rPr lang="zh-CN" altLang="en-US" smtClean="0"/>
-              <a:t>2018/12/25</a:t>
             </a:fld>
             <a:endParaRPr lang="zh-CN" altLang="en-US"/>
           </a:p>
@@ -6079,18 +6011,12 @@
           <a:p>
             <a:fld id="{9F847256-E239-4B61-8876-51653AA1E2CB}" type="slidenum">
               <a:rPr lang="zh-CN" altLang="en-US" smtClean="0"/>
-              <a:t>‹#›</a:t>
             </a:fld>
             <a:endParaRPr lang="zh-CN" altLang="en-US"/>
           </a:p>
         </p:txBody>
       </p:sp>
     </p:spTree>
-    <p:extLst>
-      <p:ext uri="{BB962C8B-B14F-4D97-AF65-F5344CB8AC3E}">
-        <p14:creationId xmlns:p14="http://schemas.microsoft.com/office/powerpoint/2010/main" val="658059964"/>
-      </p:ext>
-    </p:extLst>
   </p:cSld>
   <p:clrMapOvr>
     <a:masterClrMapping/>
@@ -6202,6 +6128,7 @@
               <a:rPr lang="zh-CN" altLang="en-US" smtClean="0"/>
               <a:t>单击此处编辑母版文本样式</a:t>
             </a:r>
+            <a:endParaRPr lang="zh-CN" altLang="en-US" smtClean="0"/>
           </a:p>
           <a:p>
             <a:pPr lvl="1"/>
@@ -6209,6 +6136,7 @@
               <a:rPr lang="zh-CN" altLang="en-US" smtClean="0"/>
               <a:t>第二级</a:t>
             </a:r>
+            <a:endParaRPr lang="zh-CN" altLang="en-US" smtClean="0"/>
           </a:p>
           <a:p>
             <a:pPr lvl="2"/>
@@ -6216,6 +6144,7 @@
               <a:rPr lang="zh-CN" altLang="en-US" smtClean="0"/>
               <a:t>第三级</a:t>
             </a:r>
+            <a:endParaRPr lang="zh-CN" altLang="en-US" smtClean="0"/>
           </a:p>
           <a:p>
             <a:pPr lvl="3"/>
@@ -6223,6 +6152,7 @@
               <a:rPr lang="zh-CN" altLang="en-US" smtClean="0"/>
               <a:t>第四级</a:t>
             </a:r>
+            <a:endParaRPr lang="zh-CN" altLang="en-US" smtClean="0"/>
           </a:p>
           <a:p>
             <a:pPr lvl="4"/>
@@ -6296,6 +6226,7 @@
               <a:rPr lang="zh-CN" altLang="en-US" smtClean="0"/>
               <a:t>单击此处编辑母版文本样式</a:t>
             </a:r>
+            <a:endParaRPr lang="zh-CN" altLang="en-US" smtClean="0"/>
           </a:p>
         </p:txBody>
       </p:sp>
@@ -6316,7 +6247,6 @@
           <a:p>
             <a:fld id="{13954AF2-503E-426F-8740-22E56E371511}" type="datetimeFigureOut">
               <a:rPr lang="zh-CN" altLang="en-US" smtClean="0"/>
-              <a:t>2018/12/25</a:t>
             </a:fld>
             <a:endParaRPr lang="zh-CN" altLang="en-US" dirty="0"/>
           </a:p>
@@ -6358,18 +6288,12 @@
           <a:p>
             <a:fld id="{9F847256-E239-4B61-8876-51653AA1E2CB}" type="slidenum">
               <a:rPr lang="zh-CN" altLang="en-US" smtClean="0"/>
-              <a:t>‹#›</a:t>
             </a:fld>
             <a:endParaRPr lang="zh-CN" altLang="en-US"/>
           </a:p>
         </p:txBody>
       </p:sp>
     </p:spTree>
-    <p:extLst>
-      <p:ext uri="{BB962C8B-B14F-4D97-AF65-F5344CB8AC3E}">
-        <p14:creationId xmlns:p14="http://schemas.microsoft.com/office/powerpoint/2010/main" val="1587488632"/>
-      </p:ext>
-    </p:extLst>
   </p:cSld>
   <p:clrMapOvr>
     <a:masterClrMapping/>
@@ -6571,6 +6495,7 @@
               <a:rPr lang="zh-CN" altLang="en-US" smtClean="0"/>
               <a:t>单击此处编辑母版文本样式</a:t>
             </a:r>
+            <a:endParaRPr lang="zh-CN" altLang="en-US" smtClean="0"/>
           </a:p>
         </p:txBody>
       </p:sp>
@@ -6591,7 +6516,6 @@
           <a:p>
             <a:fld id="{9EFD9D74-47D9-4702-A33C-335B63B48DBF}" type="datetimeFigureOut">
               <a:rPr lang="zh-CN" altLang="en-US" smtClean="0"/>
-              <a:t>2018/12/25</a:t>
             </a:fld>
             <a:endParaRPr lang="zh-CN" altLang="en-US" dirty="0"/>
           </a:p>
@@ -6633,18 +6557,12 @@
           <a:p>
             <a:fld id="{FABC47A4-756D-490B-A52F-7D9E2C9FC05F}" type="slidenum">
               <a:rPr lang="zh-CN" altLang="en-US" smtClean="0"/>
-              <a:t>‹#›</a:t>
             </a:fld>
             <a:endParaRPr lang="zh-CN" altLang="en-US"/>
           </a:p>
         </p:txBody>
       </p:sp>
     </p:spTree>
-    <p:extLst>
-      <p:ext uri="{BB962C8B-B14F-4D97-AF65-F5344CB8AC3E}">
-        <p14:creationId xmlns:p14="http://schemas.microsoft.com/office/powerpoint/2010/main" val="1915169176"/>
-      </p:ext>
-    </p:extLst>
   </p:cSld>
   <p:clrMapOvr>
     <a:masterClrMapping/>
@@ -6683,7 +6601,7 @@
           <p:nvPr/>
         </p:nvPicPr>
         <p:blipFill rotWithShape="1">
-          <a:blip r:embed="rId21">
+          <a:blip r:embed="rId20">
             <a:extLst>
               <a:ext uri="{28A0092B-C50C-407E-A947-70E740481C1C}">
                 <a14:useLocalDpi xmlns:a14="http://schemas.microsoft.com/office/drawing/2010/main" val="0"/>
@@ -6691,7 +6609,9 @@
             </a:extLst>
           </a:blip>
           <a:srcRect l="3613"/>
-          <a:stretch/>
+          <a:stretch>
+            <a:fillRect/>
+          </a:stretch>
         </p:blipFill>
         <p:spPr>
           <a:xfrm>
@@ -6712,7 +6632,7 @@
           <p:nvPr/>
         </p:nvPicPr>
         <p:blipFill rotWithShape="1">
-          <a:blip r:embed="rId22">
+          <a:blip r:embed="rId21">
             <a:extLst>
               <a:ext uri="{28A0092B-C50C-407E-A947-70E740481C1C}">
                 <a14:useLocalDpi xmlns:a14="http://schemas.microsoft.com/office/drawing/2010/main" val="0"/>
@@ -6720,7 +6640,9 @@
             </a:extLst>
           </a:blip>
           <a:srcRect l="35640"/>
-          <a:stretch/>
+          <a:stretch>
+            <a:fillRect/>
+          </a:stretch>
         </p:blipFill>
         <p:spPr>
           <a:xfrm>
@@ -6804,7 +6726,7 @@
           <p:nvPr/>
         </p:nvPicPr>
         <p:blipFill rotWithShape="1">
-          <a:blip r:embed="rId23">
+          <a:blip r:embed="rId22">
             <a:extLst>
               <a:ext uri="{28A0092B-C50C-407E-A947-70E740481C1C}">
                 <a14:useLocalDpi xmlns:a14="http://schemas.microsoft.com/office/drawing/2010/main" val="0"/>
@@ -6812,7 +6734,9 @@
             </a:extLst>
           </a:blip>
           <a:srcRect t="28813"/>
-          <a:stretch/>
+          <a:stretch>
+            <a:fillRect/>
+          </a:stretch>
         </p:blipFill>
         <p:spPr>
           <a:xfrm>
@@ -6833,7 +6757,7 @@
           <p:nvPr/>
         </p:nvPicPr>
         <p:blipFill rotWithShape="1">
-          <a:blip r:embed="rId24">
+          <a:blip r:embed="rId23">
             <a:extLst>
               <a:ext uri="{28A0092B-C50C-407E-A947-70E740481C1C}">
                 <a14:useLocalDpi xmlns:a14="http://schemas.microsoft.com/office/drawing/2010/main" val="0"/>
@@ -6841,7 +6765,9 @@
             </a:extLst>
           </a:blip>
           <a:srcRect b="23320"/>
-          <a:stretch/>
+          <a:stretch>
+            <a:fillRect/>
+          </a:stretch>
         </p:blipFill>
         <p:spPr>
           <a:xfrm>
@@ -6952,6 +6878,7 @@
               <a:rPr lang="zh-CN" altLang="en-US" smtClean="0"/>
               <a:t>单击此处编辑母版文本样式</a:t>
             </a:r>
+            <a:endParaRPr lang="zh-CN" altLang="en-US" smtClean="0"/>
           </a:p>
           <a:p>
             <a:pPr lvl="1"/>
@@ -6959,6 +6886,7 @@
               <a:rPr lang="zh-CN" altLang="en-US" smtClean="0"/>
               <a:t>第二级</a:t>
             </a:r>
+            <a:endParaRPr lang="zh-CN" altLang="en-US" smtClean="0"/>
           </a:p>
           <a:p>
             <a:pPr lvl="2"/>
@@ -6966,6 +6894,7 @@
               <a:rPr lang="zh-CN" altLang="en-US" smtClean="0"/>
               <a:t>第三级</a:t>
             </a:r>
+            <a:endParaRPr lang="zh-CN" altLang="en-US" smtClean="0"/>
           </a:p>
           <a:p>
             <a:pPr lvl="3"/>
@@ -6973,6 +6902,7 @@
               <a:rPr lang="zh-CN" altLang="en-US" smtClean="0"/>
               <a:t>第四级</a:t>
             </a:r>
+            <a:endParaRPr lang="zh-CN" altLang="en-US" smtClean="0"/>
           </a:p>
           <a:p>
             <a:pPr lvl="4"/>
@@ -7020,7 +6950,6 @@
           <a:p>
             <a:fld id="{13954AF2-503E-426F-8740-22E56E371511}" type="datetimeFigureOut">
               <a:rPr lang="zh-CN" altLang="en-US" smtClean="0"/>
-              <a:t>2018/12/25</a:t>
             </a:fld>
             <a:endParaRPr lang="zh-CN" altLang="en-US" dirty="0"/>
           </a:p>
@@ -7099,40 +7028,34 @@
           <a:p>
             <a:fld id="{9F847256-E239-4B61-8876-51653AA1E2CB}" type="slidenum">
               <a:rPr lang="zh-CN" altLang="en-US" smtClean="0"/>
-              <a:t>‹#›</a:t>
             </a:fld>
             <a:endParaRPr lang="zh-CN" altLang="en-US"/>
           </a:p>
         </p:txBody>
       </p:sp>
     </p:spTree>
-    <p:extLst>
-      <p:ext uri="{BB962C8B-B14F-4D97-AF65-F5344CB8AC3E}">
-        <p14:creationId xmlns:p14="http://schemas.microsoft.com/office/powerpoint/2010/main" val="4069862033"/>
-      </p:ext>
-    </p:extLst>
   </p:cSld>
   <p:clrMap bg1="dk1" tx1="lt1" bg2="dk2" tx2="lt2" accent1="accent1" accent2="accent2" accent3="accent3" accent4="accent4" accent5="accent5" accent6="accent6" hlink="hlink" folHlink="folHlink"/>
   <p:sldLayoutIdLst>
-    <p:sldLayoutId id="2147483731" r:id="rId1"/>
-    <p:sldLayoutId id="2147483732" r:id="rId2"/>
-    <p:sldLayoutId id="2147483733" r:id="rId3"/>
-    <p:sldLayoutId id="2147483734" r:id="rId4"/>
-    <p:sldLayoutId id="2147483735" r:id="rId5"/>
-    <p:sldLayoutId id="2147483736" r:id="rId6"/>
-    <p:sldLayoutId id="2147483737" r:id="rId7"/>
-    <p:sldLayoutId id="2147483738" r:id="rId8"/>
-    <p:sldLayoutId id="2147483739" r:id="rId9"/>
-    <p:sldLayoutId id="2147483740" r:id="rId10"/>
-    <p:sldLayoutId id="2147483741" r:id="rId11"/>
-    <p:sldLayoutId id="2147483742" r:id="rId12"/>
-    <p:sldLayoutId id="2147483743" r:id="rId13"/>
-    <p:sldLayoutId id="2147483744" r:id="rId14"/>
-    <p:sldLayoutId id="2147483745" r:id="rId15"/>
-    <p:sldLayoutId id="2147483746" r:id="rId16"/>
-    <p:sldLayoutId id="2147483747" r:id="rId17"/>
-    <p:sldLayoutId id="2147483748" r:id="rId18"/>
-    <p:sldLayoutId id="2147483658" r:id="rId19"/>
+    <p:sldLayoutId id="2147483649" r:id="rId1"/>
+    <p:sldLayoutId id="2147483650" r:id="rId2"/>
+    <p:sldLayoutId id="2147483651" r:id="rId3"/>
+    <p:sldLayoutId id="2147483652" r:id="rId4"/>
+    <p:sldLayoutId id="2147483653" r:id="rId5"/>
+    <p:sldLayoutId id="2147483654" r:id="rId6"/>
+    <p:sldLayoutId id="2147483655" r:id="rId7"/>
+    <p:sldLayoutId id="2147483656" r:id="rId8"/>
+    <p:sldLayoutId id="2147483657" r:id="rId9"/>
+    <p:sldLayoutId id="2147483658" r:id="rId10"/>
+    <p:sldLayoutId id="2147483659" r:id="rId11"/>
+    <p:sldLayoutId id="2147483660" r:id="rId12"/>
+    <p:sldLayoutId id="2147483661" r:id="rId13"/>
+    <p:sldLayoutId id="2147483662" r:id="rId14"/>
+    <p:sldLayoutId id="2147483663" r:id="rId15"/>
+    <p:sldLayoutId id="2147483664" r:id="rId16"/>
+    <p:sldLayoutId id="2147483665" r:id="rId17"/>
+    <p:sldLayoutId id="2147483666" r:id="rId18"/>
+    <p:sldLayoutId id="2147483667" r:id="rId19"/>
   </p:sldLayoutIdLst>
   <p:txStyles>
     <p:titleStyle>
@@ -7333,7 +7256,7 @@
           <a:cs typeface="+mj-cs"/>
         </a:defRPr>
       </a:lvl5pPr>
-      <a:lvl6pPr marL="2506000" indent="-228600" algn="l" defTabSz="457200" rtl="0" eaLnBrk="1" latinLnBrk="0" hangingPunct="1">
+      <a:lvl6pPr marL="2505710" indent="-228600" algn="l" defTabSz="457200" rtl="0" eaLnBrk="1" latinLnBrk="0" hangingPunct="1">
         <a:spcBef>
           <a:spcPts val="1000"/>
         </a:spcBef>
@@ -7556,7 +7479,7 @@
           <p:cNvSpPr/>
           <p:nvPr>
             <p:custDataLst>
-              <p:tags r:id="rId2"/>
+              <p:tags r:id="rId1"/>
             </p:custDataLst>
           </p:nvPr>
         </p:nvSpPr>
@@ -7576,15 +7499,6 @@
           </a:bodyPr>
           <a:lstStyle/>
           <a:p>
-            <a:r>
-              <a:rPr lang="en-US" altLang="zh-CN" sz="7200" dirty="0">
-                <a:solidFill>
-                  <a:schemeClr val="tx1"/>
-                </a:solidFill>
-                <a:cs typeface="Arial" panose="020B0604020202020204" pitchFamily="34" charset="0"/>
-              </a:rPr>
-              <a:t>2019</a:t>
-            </a:r>
             <a:endParaRPr lang="zh-CN" altLang="en-US" sz="7200" dirty="0">
               <a:solidFill>
                 <a:schemeClr val="tx1"/>
@@ -7603,7 +7517,7 @@
           <p:nvPr>
             <p:ph type="ctrTitle"/>
             <p:custDataLst>
-              <p:tags r:id="rId3"/>
+              <p:tags r:id="rId2"/>
             </p:custDataLst>
           </p:nvPr>
         </p:nvSpPr>
@@ -7636,7 +7550,7 @@
           <p:nvPr>
             <p:ph type="subTitle" idx="1"/>
             <p:custDataLst>
-              <p:tags r:id="rId4"/>
+              <p:tags r:id="rId3"/>
             </p:custDataLst>
           </p:nvPr>
         </p:nvSpPr>
@@ -7658,7 +7572,7 @@
       </p:sp>
     </p:spTree>
     <p:custDataLst>
-      <p:tags r:id="rId1"/>
+      <p:tags r:id="rId4"/>
     </p:custDataLst>
   </p:cSld>
   <p:clrMapOvr>
@@ -7798,6 +7712,7 @@
               <a:rPr lang="zh-CN" altLang="en-US" sz="3600" dirty="0"/>
               <a:t>业务模块</a:t>
             </a:r>
+            <a:endParaRPr lang="zh-CN" altLang="en-US" sz="3600" dirty="0"/>
           </a:p>
         </p:txBody>
       </p:sp>
@@ -7936,6 +7851,7 @@
               <a:rPr lang="zh-CN" altLang="en-US" sz="2800" strike="noStrike" noProof="1"/>
               <a:t>交易系统</a:t>
             </a:r>
+            <a:endParaRPr lang="zh-CN" altLang="en-US" sz="2800" strike="noStrike" noProof="1"/>
           </a:p>
         </p:txBody>
       </p:sp>
@@ -8028,6 +7944,10 @@
               </a:rPr>
               <a:t>业务监控</a:t>
             </a:r>
+            <a:endParaRPr lang="zh-CN" altLang="en-US" sz="2800" strike="noStrike" noProof="1">
+              <a:latin typeface="微软雅黑" panose="020B0503020204020204" charset="-122"/>
+              <a:ea typeface="微软雅黑" panose="020B0503020204020204" charset="-122"/>
+            </a:endParaRPr>
           </a:p>
         </p:txBody>
       </p:sp>
@@ -8236,6 +8156,10 @@
               </a:rPr>
               <a:t>管理后台</a:t>
             </a:r>
+            <a:endParaRPr lang="zh-CN" altLang="en-US" sz="2800" strike="noStrike" noProof="1">
+              <a:latin typeface="微软雅黑" panose="020B0503020204020204" charset="-122"/>
+              <a:ea typeface="微软雅黑" panose="020B0503020204020204" charset="-122"/>
+            </a:endParaRPr>
           </a:p>
         </p:txBody>
       </p:sp>
@@ -8286,6 +8210,13 @@
               </a:rPr>
               <a:t>官网</a:t>
             </a:r>
+            <a:endParaRPr lang="zh-CN" altLang="en-US" sz="2800" strike="noStrike" noProof="1">
+              <a:solidFill>
+                <a:schemeClr val="bg1"/>
+              </a:solidFill>
+              <a:latin typeface="微软雅黑" panose="020B0503020204020204" charset="-122"/>
+              <a:ea typeface="微软雅黑" panose="020B0503020204020204" charset="-122"/>
+            </a:endParaRPr>
           </a:p>
         </p:txBody>
       </p:sp>
@@ -8334,6 +8265,7 @@
               <a:rPr lang="zh-CN" altLang="en-US" sz="2800" strike="noStrike" noProof="1"/>
               <a:t>接口</a:t>
             </a:r>
+            <a:endParaRPr lang="zh-CN" altLang="en-US" sz="2800" strike="noStrike" noProof="1"/>
           </a:p>
         </p:txBody>
       </p:sp>
@@ -8377,6 +8309,7 @@
               <a:rPr lang="zh-CN" altLang="en-US"/>
               <a:t>客服系统</a:t>
             </a:r>
+            <a:endParaRPr lang="zh-CN" altLang="en-US"/>
           </a:p>
         </p:txBody>
       </p:sp>
@@ -8420,6 +8353,7 @@
               <a:rPr lang="zh-CN" altLang="en-US"/>
               <a:t>对账系统</a:t>
             </a:r>
+            <a:endParaRPr lang="zh-CN" altLang="en-US"/>
           </a:p>
         </p:txBody>
       </p:sp>
@@ -8463,6 +8397,7 @@
               <a:rPr lang="zh-CN" altLang="en-US"/>
               <a:t>营销活动</a:t>
             </a:r>
+            <a:endParaRPr lang="zh-CN" altLang="en-US"/>
           </a:p>
         </p:txBody>
       </p:sp>
@@ -8506,6 +8441,7 @@
               <a:rPr lang="zh-CN" altLang="en-US"/>
               <a:t>智能推荐</a:t>
             </a:r>
+            <a:endParaRPr lang="zh-CN" altLang="en-US"/>
           </a:p>
         </p:txBody>
       </p:sp>
@@ -8549,6 +8485,7 @@
               <a:rPr lang="zh-CN" altLang="en-US"/>
               <a:t>增值服务</a:t>
             </a:r>
+            <a:endParaRPr lang="zh-CN" altLang="en-US"/>
           </a:p>
         </p:txBody>
       </p:sp>
@@ -8636,18 +8573,21 @@
               <a:rPr lang="zh-CN" altLang="en-US"/>
               <a:t>功能开发快速演进，业务复杂度上升，维护难度加大</a:t>
             </a:r>
+            <a:endParaRPr lang="zh-CN" altLang="en-US"/>
           </a:p>
           <a:p>
             <a:r>
               <a:rPr lang="zh-CN" altLang="en-US"/>
               <a:t>系统稳定性不够满意</a:t>
             </a:r>
+            <a:endParaRPr lang="zh-CN" altLang="en-US"/>
           </a:p>
           <a:p>
             <a:r>
               <a:rPr lang="zh-CN" altLang="en-US"/>
               <a:t>手工维护工作多，自动化运维手段不足</a:t>
             </a:r>
+            <a:endParaRPr lang="zh-CN" altLang="en-US"/>
           </a:p>
         </p:txBody>
       </p:sp>
@@ -8705,6 +8645,7 @@
               <a:rPr lang="zh-CN" altLang="en-US" sz="2800"/>
               <a:t>互联网平台演进过程</a:t>
             </a:r>
+            <a:endParaRPr lang="zh-CN" altLang="en-US" sz="2800"/>
           </a:p>
         </p:txBody>
       </p:sp>
@@ -8717,7 +8658,7 @@
           <p:nvPr/>
         </p:nvPicPr>
         <p:blipFill>
-          <a:blip r:embed="rId3"/>
+          <a:blip r:embed="rId1"/>
           <a:stretch>
             <a:fillRect/>
           </a:stretch>
@@ -8734,7 +8675,7 @@
       </p:pic>
     </p:spTree>
     <p:custDataLst>
-      <p:tags r:id="rId1"/>
+      <p:tags r:id="rId2"/>
     </p:custDataLst>
   </p:cSld>
   <p:clrMapOvr>
@@ -8786,6 +8727,7 @@
               <a:rPr lang="zh-CN" altLang="en-US" sz="2800"/>
               <a:t>进入新阶段，我们怎么办？</a:t>
             </a:r>
+            <a:endParaRPr lang="zh-CN" altLang="en-US" sz="2800"/>
           </a:p>
         </p:txBody>
       </p:sp>
@@ -8798,7 +8740,7 @@
           <p:nvPr/>
         </p:nvPicPr>
         <p:blipFill>
-          <a:blip r:embed="rId3"/>
+          <a:blip r:embed="rId1"/>
           <a:stretch>
             <a:fillRect/>
           </a:stretch>
@@ -8843,12 +8785,17 @@
               </a:rPr>
               <a:t>目前先从前三项下手</a:t>
             </a:r>
+            <a:endParaRPr lang="zh-CN" altLang="en-US">
+              <a:solidFill>
+                <a:schemeClr val="bg1"/>
+              </a:solidFill>
+            </a:endParaRPr>
           </a:p>
         </p:txBody>
       </p:sp>
     </p:spTree>
     <p:custDataLst>
-      <p:tags r:id="rId1"/>
+      <p:tags r:id="rId2"/>
     </p:custDataLst>
   </p:cSld>
   <p:clrMapOvr>
@@ -8900,6 +8847,7 @@
               <a:rPr lang="zh-CN" altLang="en-US" sz="2800"/>
               <a:t>关键词</a:t>
             </a:r>
+            <a:endParaRPr lang="zh-CN" altLang="en-US" sz="2800"/>
           </a:p>
         </p:txBody>
       </p:sp>
@@ -8943,6 +8891,7 @@
               <a:rPr lang="zh-CN" altLang="en-US"/>
               <a:t>解耦</a:t>
             </a:r>
+            <a:endParaRPr lang="zh-CN" altLang="en-US"/>
           </a:p>
         </p:txBody>
       </p:sp>
@@ -8986,6 +8935,7 @@
               <a:rPr lang="zh-CN" altLang="en-US"/>
               <a:t>微服务化改造</a:t>
             </a:r>
+            <a:endParaRPr lang="zh-CN" altLang="en-US"/>
           </a:p>
         </p:txBody>
       </p:sp>
@@ -9029,6 +8979,7 @@
               <a:rPr lang="zh-CN" altLang="en-US"/>
               <a:t>降低复杂度</a:t>
             </a:r>
+            <a:endParaRPr lang="zh-CN" altLang="en-US"/>
           </a:p>
         </p:txBody>
       </p:sp>
@@ -9072,6 +9023,7 @@
               <a:rPr lang="zh-CN" altLang="en-US"/>
               <a:t>分布式</a:t>
             </a:r>
+            <a:endParaRPr lang="zh-CN" altLang="en-US"/>
           </a:p>
         </p:txBody>
       </p:sp>
@@ -9115,6 +9067,7 @@
               <a:rPr lang="zh-CN" altLang="en-US"/>
               <a:t>云平台</a:t>
             </a:r>
+            <a:endParaRPr lang="zh-CN" altLang="en-US"/>
           </a:p>
         </p:txBody>
       </p:sp>
@@ -9158,6 +9111,7 @@
               <a:rPr lang="zh-CN" altLang="en-US"/>
               <a:t>异构</a:t>
             </a:r>
+            <a:endParaRPr lang="zh-CN" altLang="en-US"/>
           </a:p>
         </p:txBody>
       </p:sp>
@@ -9201,6 +9155,7 @@
               <a:rPr lang="zh-CN" altLang="en-US"/>
               <a:t>技术栈</a:t>
             </a:r>
+            <a:endParaRPr lang="zh-CN" altLang="en-US"/>
           </a:p>
         </p:txBody>
       </p:sp>
@@ -9244,6 +9199,7 @@
               <a:rPr lang="zh-CN" altLang="en-US"/>
               <a:t>测试成本</a:t>
             </a:r>
+            <a:endParaRPr lang="zh-CN" altLang="en-US"/>
           </a:p>
         </p:txBody>
       </p:sp>
@@ -9287,6 +9243,7 @@
               <a:rPr lang="zh-CN" altLang="en-US"/>
               <a:t>可伸缩性</a:t>
             </a:r>
+            <a:endParaRPr lang="zh-CN" altLang="en-US"/>
           </a:p>
         </p:txBody>
       </p:sp>
@@ -9330,6 +9287,7 @@
               <a:rPr lang="zh-CN" altLang="en-US"/>
               <a:t>可靠性</a:t>
             </a:r>
+            <a:endParaRPr lang="zh-CN" altLang="en-US"/>
           </a:p>
         </p:txBody>
       </p:sp>
@@ -9387,6 +9345,7 @@
               <a:rPr lang="zh-CN" altLang="en-US" sz="2800"/>
               <a:t>技术边界原则（进行解耦和服务化改造）</a:t>
             </a:r>
+            <a:endParaRPr lang="zh-CN" altLang="en-US" sz="2800"/>
           </a:p>
         </p:txBody>
       </p:sp>
@@ -9399,7 +9358,7 @@
           <p:nvPr/>
         </p:nvPicPr>
         <p:blipFill>
-          <a:blip r:embed="rId3"/>
+          <a:blip r:embed="rId1"/>
           <a:stretch>
             <a:fillRect/>
           </a:stretch>
@@ -9416,7 +9375,7 @@
       </p:pic>
     </p:spTree>
     <p:custDataLst>
-      <p:tags r:id="rId1"/>
+      <p:tags r:id="rId2"/>
     </p:custDataLst>
   </p:cSld>
   <p:clrMapOvr>
@@ -9493,6 +9452,7 @@
               <a:rPr lang="zh-CN" altLang="en-US"/>
               <a:t>展    示   层</a:t>
             </a:r>
+            <a:endParaRPr lang="zh-CN" altLang="en-US"/>
           </a:p>
           <a:p>
             <a:pPr algn="ctr"/>
@@ -9600,6 +9560,7 @@
               <a:rPr lang="zh-CN" altLang="en-US" sz="2800"/>
               <a:t>服务化技术体系</a:t>
             </a:r>
+            <a:endParaRPr lang="zh-CN" altLang="en-US" sz="2800"/>
           </a:p>
         </p:txBody>
       </p:sp>
@@ -9643,6 +9604,7 @@
               <a:rPr lang="zh-CN" altLang="en-US"/>
               <a:t>任务调度中心</a:t>
             </a:r>
+            <a:endParaRPr lang="zh-CN" altLang="en-US"/>
           </a:p>
         </p:txBody>
       </p:sp>
@@ -9698,6 +9660,7 @@
                 <a:rPr lang="zh-CN" altLang="en-US"/>
                 <a:t>服务层（业务层）</a:t>
               </a:r>
+              <a:endParaRPr lang="zh-CN" altLang="en-US"/>
             </a:p>
             <a:p>
               <a:pPr algn="ctr"/>
@@ -9768,6 +9731,7 @@
                 <a:rPr lang="zh-CN" altLang="en-US"/>
                 <a:t>配置中心</a:t>
               </a:r>
+              <a:endParaRPr lang="zh-CN" altLang="en-US"/>
             </a:p>
           </p:txBody>
         </p:sp>
@@ -9814,6 +9778,7 @@
                 <a:rPr lang="zh-CN" altLang="en-US"/>
                 <a:t>事件中心</a:t>
               </a:r>
+              <a:endParaRPr lang="zh-CN" altLang="en-US"/>
             </a:p>
           </p:txBody>
         </p:sp>
@@ -9860,6 +9825,7 @@
                 <a:rPr lang="zh-CN" altLang="en-US"/>
                 <a:t>数据中心</a:t>
               </a:r>
+              <a:endParaRPr lang="zh-CN" altLang="en-US"/>
             </a:p>
           </p:txBody>
         </p:sp>
@@ -9906,6 +9872,7 @@
                 <a:rPr lang="zh-CN" altLang="en-US"/>
                 <a:t>服务集群</a:t>
               </a:r>
+              <a:endParaRPr lang="zh-CN" altLang="en-US"/>
             </a:p>
           </p:txBody>
         </p:sp>
@@ -9960,6 +9927,7 @@
                 <a:rPr lang="zh-CN" altLang="en-US"/>
                 <a:t>集群</a:t>
               </a:r>
+              <a:endParaRPr lang="zh-CN" altLang="en-US"/>
             </a:p>
           </p:txBody>
         </p:sp>
@@ -10034,6 +10002,7 @@
               <a:rPr lang="zh-CN" altLang="en-US"/>
               <a:t>服务治理中心</a:t>
             </a:r>
+            <a:endParaRPr lang="zh-CN" altLang="en-US"/>
           </a:p>
         </p:txBody>
       </p:sp>
@@ -10077,6 +10046,7 @@
               <a:rPr lang="zh-CN" altLang="en-US"/>
               <a:t>日志管理中心</a:t>
             </a:r>
+            <a:endParaRPr lang="zh-CN" altLang="en-US"/>
           </a:p>
         </p:txBody>
       </p:sp>
@@ -10120,6 +10090,7 @@
               <a:rPr lang="zh-CN" altLang="en-US"/>
               <a:t>业务监控中心</a:t>
             </a:r>
+            <a:endParaRPr lang="zh-CN" altLang="en-US"/>
           </a:p>
         </p:txBody>
       </p:sp>
@@ -10163,6 +10134,7 @@
               <a:rPr lang="zh-CN" altLang="en-US"/>
               <a:t>部署管理中心</a:t>
             </a:r>
+            <a:endParaRPr lang="zh-CN" altLang="en-US"/>
           </a:p>
         </p:txBody>
       </p:sp>
@@ -10206,6 +10178,7 @@
               <a:rPr lang="zh-CN" altLang="en-US"/>
               <a:t>测试环境管理</a:t>
             </a:r>
+            <a:endParaRPr lang="zh-CN" altLang="en-US"/>
           </a:p>
         </p:txBody>
       </p:sp>
@@ -10346,6 +10319,7 @@
               <a:rPr lang="en-US" altLang="zh-CN"/>
               <a:t>WEB</a:t>
             </a:r>
+            <a:endParaRPr lang="en-US" altLang="zh-CN"/>
           </a:p>
         </p:txBody>
       </p:sp>
@@ -10392,6 +10366,7 @@
               <a:rPr lang="en-US" altLang="zh-CN"/>
               <a:t>H5</a:t>
             </a:r>
+            <a:endParaRPr lang="en-US" altLang="zh-CN"/>
           </a:p>
         </p:txBody>
       </p:sp>
@@ -10435,6 +10410,7 @@
               <a:rPr lang="zh-CN" altLang="en-US"/>
               <a:t>客户端发版管理</a:t>
             </a:r>
+            <a:endParaRPr lang="zh-CN" altLang="en-US"/>
           </a:p>
         </p:txBody>
       </p:sp>
@@ -10484,6 +10460,7 @@
               <a:rPr lang="zh-CN" altLang="en-US"/>
               <a:t>数据库</a:t>
             </a:r>
+            <a:endParaRPr lang="zh-CN" altLang="en-US"/>
           </a:p>
         </p:txBody>
       </p:sp>
@@ -10533,6 +10510,7 @@
               <a:rPr lang="zh-CN" altLang="en-US"/>
               <a:t>缓存</a:t>
             </a:r>
+            <a:endParaRPr lang="zh-CN" altLang="en-US"/>
           </a:p>
         </p:txBody>
       </p:sp>
@@ -10582,6 +10560,7 @@
               <a:rPr lang="zh-CN" altLang="en-US"/>
               <a:t>队列</a:t>
             </a:r>
+            <a:endParaRPr lang="zh-CN" altLang="en-US"/>
           </a:p>
         </p:txBody>
       </p:sp>
@@ -10631,6 +10610,7 @@
               <a:rPr lang="en-US" altLang="zh-CN"/>
               <a:t>ES</a:t>
             </a:r>
+            <a:endParaRPr lang="en-US" altLang="zh-CN"/>
           </a:p>
         </p:txBody>
       </p:sp>
@@ -10680,6 +10660,7 @@
               <a:rPr lang="zh-CN" altLang="en-US"/>
               <a:t>文件系统</a:t>
             </a:r>
+            <a:endParaRPr lang="zh-CN" altLang="en-US"/>
           </a:p>
         </p:txBody>
       </p:sp>
@@ -10737,6 +10718,7 @@
               <a:rPr lang="zh-CN" altLang="en-US" sz="2800"/>
               <a:t>服务化规范</a:t>
             </a:r>
+            <a:endParaRPr lang="zh-CN" altLang="en-US" sz="2800"/>
           </a:p>
         </p:txBody>
       </p:sp>
@@ -10749,7 +10731,7 @@
           <p:nvPr/>
         </p:nvPicPr>
         <p:blipFill>
-          <a:blip r:embed="rId3"/>
+          <a:blip r:embed="rId1"/>
           <a:stretch>
             <a:fillRect/>
           </a:stretch>
@@ -10766,7 +10748,7 @@
       </p:pic>
     </p:spTree>
     <p:custDataLst>
-      <p:tags r:id="rId1"/>
+      <p:tags r:id="rId2"/>
     </p:custDataLst>
   </p:cSld>
   <p:clrMapOvr>
@@ -10818,6 +10800,7 @@
               <a:rPr lang="zh-CN" altLang="en-US" sz="2800"/>
               <a:t>运维自动化</a:t>
             </a:r>
+            <a:endParaRPr lang="zh-CN" altLang="en-US" sz="2800"/>
           </a:p>
         </p:txBody>
       </p:sp>
@@ -10830,7 +10813,7 @@
           <p:nvPr/>
         </p:nvPicPr>
         <p:blipFill>
-          <a:blip r:embed="rId3"/>
+          <a:blip r:embed="rId1"/>
           <a:stretch>
             <a:fillRect/>
           </a:stretch>
@@ -10847,7 +10830,7 @@
       </p:pic>
     </p:spTree>
     <p:custDataLst>
-      <p:tags r:id="rId1"/>
+      <p:tags r:id="rId2"/>
     </p:custDataLst>
   </p:cSld>
   <p:clrMapOvr>
@@ -10857,7 +10840,89 @@
 </file>
 
 <file path=ppt/tags/tag1.xml><?xml version="1.0" encoding="utf-8"?>
-<p:tagLst xmlns:a="http://schemas.openxmlformats.org/drawingml/2006/main" xmlns:r="http://schemas.openxmlformats.org/officeDocument/2006/relationships" xmlns:p="http://schemas.openxmlformats.org/presentationml/2006/main">
+<p:tagLst xmlns:p="http://schemas.openxmlformats.org/presentationml/2006/main">
+  <p:tag name="KSO_WM_TAG_VERSION" val="1.0"/>
+  <p:tag name="KSO_WM_BEAUTIFY_FLAG" val="#wm#"/>
+  <p:tag name="KSO_WM_UNIT_TYPE" val="i"/>
+  <p:tag name="KSO_WM_UNIT_ID" val="custom20184655_1*i*0"/>
+  <p:tag name="KSO_WM_TEMPLATE_CATEGORY" val="custom"/>
+  <p:tag name="KSO_WM_TEMPLATE_INDEX" val="20184655"/>
+  <p:tag name="KSO_WM_UNIT_INDEX" val="0"/>
+</p:tagLst>
+</file>
+
+<file path=ppt/tags/tag10.xml><?xml version="1.0" encoding="utf-8"?>
+<p:tagLst xmlns:p="http://schemas.openxmlformats.org/presentationml/2006/main">
+  <p:tag name="KSO_WM_BEAUTIFY_FLAG" val="#wm#"/>
+  <p:tag name="KSO_WM_TEMPLATE_CATEGORY" val="custom"/>
+  <p:tag name="KSO_WM_TEMPLATE_INDEX" val="20184655"/>
+</p:tagLst>
+</file>
+
+<file path=ppt/tags/tag11.xml><?xml version="1.0" encoding="utf-8"?>
+<p:tagLst xmlns:p="http://schemas.openxmlformats.org/presentationml/2006/main">
+  <p:tag name="KSO_WM_BEAUTIFY_FLAG" val="#wm#"/>
+  <p:tag name="KSO_WM_TEMPLATE_CATEGORY" val="custom"/>
+  <p:tag name="KSO_WM_TEMPLATE_INDEX" val="20184655"/>
+</p:tagLst>
+</file>
+
+<file path=ppt/tags/tag12.xml><?xml version="1.0" encoding="utf-8"?>
+<p:tagLst xmlns:p="http://schemas.openxmlformats.org/presentationml/2006/main">
+  <p:tag name="KSO_WM_BEAUTIFY_FLAG" val="#wm#"/>
+  <p:tag name="KSO_WM_TEMPLATE_CATEGORY" val="custom"/>
+  <p:tag name="KSO_WM_TEMPLATE_INDEX" val="20184655"/>
+</p:tagLst>
+</file>
+
+<file path=ppt/tags/tag13.xml><?xml version="1.0" encoding="utf-8"?>
+<p:tagLst xmlns:p="http://schemas.openxmlformats.org/presentationml/2006/main">
+  <p:tag name="KSO_WM_BEAUTIFY_FLAG" val="#wm#"/>
+  <p:tag name="KSO_WM_TEMPLATE_CATEGORY" val="custom"/>
+  <p:tag name="KSO_WM_TEMPLATE_INDEX" val="20184655"/>
+</p:tagLst>
+</file>
+
+<file path=ppt/tags/tag2.xml><?xml version="1.0" encoding="utf-8"?>
+<p:tagLst xmlns:p="http://schemas.openxmlformats.org/presentationml/2006/main">
+  <p:tag name="KSO_WM_TEMPLATE_CATEGORY" val="custom"/>
+  <p:tag name="KSO_WM_TEMPLATE_INDEX" val="20184655"/>
+  <p:tag name="KSO_WM_TAG_VERSION" val="1.0"/>
+  <p:tag name="KSO_WM_UNIT_TYPE" val="a"/>
+  <p:tag name="KSO_WM_UNIT_INDEX" val="1"/>
+  <p:tag name="KSO_WM_UNIT_ID" val="custom20184655_1*a*1"/>
+  <p:tag name="KSO_WM_UNIT_LAYERLEVEL" val="1"/>
+  <p:tag name="KSO_WM_UNIT_VALUE" val="10"/>
+  <p:tag name="KSO_WM_UNIT_ISCONTENTSTITLE" val="0"/>
+  <p:tag name="KSO_WM_UNIT_HIGHLIGHT" val="0"/>
+  <p:tag name="KSO_WM_UNIT_COMPATIBLE" val="0"/>
+  <p:tag name="KSO_WM_UNIT_CLEAR" val="0"/>
+  <p:tag name="KSO_WM_BEAUTIFY_FLAG" val="#wm#"/>
+  <p:tag name="KSO_WM_UNIT_PRESET_TEXT" val="BUSINESS PLAN"/>
+</p:tagLst>
+</file>
+
+<file path=ppt/tags/tag3.xml><?xml version="1.0" encoding="utf-8"?>
+<p:tagLst xmlns:p="http://schemas.openxmlformats.org/presentationml/2006/main">
+  <p:tag name="KSO_WM_TEMPLATE_CATEGORY" val="custom"/>
+  <p:tag name="KSO_WM_TEMPLATE_INDEX" val="20184655"/>
+  <p:tag name="KSO_WM_TAG_VERSION" val="1.0"/>
+  <p:tag name="KSO_WM_UNIT_TYPE" val="b"/>
+  <p:tag name="KSO_WM_UNIT_INDEX" val="1"/>
+  <p:tag name="KSO_WM_UNIT_ID" val="custom20184655_1*b*1"/>
+  <p:tag name="KSO_WM_UNIT_LAYERLEVEL" val="1"/>
+  <p:tag name="KSO_WM_UNIT_VALUE" val="49"/>
+  <p:tag name="KSO_WM_UNIT_ISCONTENTSTITLE" val="0"/>
+  <p:tag name="KSO_WM_UNIT_HIGHLIGHT" val="0"/>
+  <p:tag name="KSO_WM_UNIT_COMPATIBLE" val="0"/>
+  <p:tag name="KSO_WM_UNIT_CLEAR" val="0"/>
+  <p:tag name="KSO_WM_BEAUTIFY_FLAG" val="#wm#"/>
+  <p:tag name="KSO_WM_UNIT_PRESET_TEXT" val="Lorem ipsum dolor sit amet, consectetur adipisicing elit.Lorem ipsum dolor sit amet, consectetur adipisicing elit"/>
+</p:tagLst>
+</file>
+
+<file path=ppt/tags/tag4.xml><?xml version="1.0" encoding="utf-8"?>
+<p:tagLst xmlns:p="http://schemas.openxmlformats.org/presentationml/2006/main">
   <p:tag name="KSO_WM_TEMPLATE_CATEGORY" val="custom"/>
   <p:tag name="KSO_WM_TEMPLATE_INDEX" val="20184655"/>
   <p:tag name="KSO_WM_TAG_VERSION" val="1.0"/>
@@ -10877,104 +10942,22 @@
 </p:tagLst>
 </file>
 
-<file path=ppt/tags/tag10.xml><?xml version="1.0" encoding="utf-8"?>
-<p:tagLst xmlns:a="http://schemas.openxmlformats.org/drawingml/2006/main" xmlns:r="http://schemas.openxmlformats.org/officeDocument/2006/relationships" xmlns:p="http://schemas.openxmlformats.org/presentationml/2006/main">
-  <p:tag name="KSO_WM_BEAUTIFY_FLAG" val="#wm#"/>
-  <p:tag name="KSO_WM_TEMPLATE_CATEGORY" val="custom"/>
-  <p:tag name="KSO_WM_TEMPLATE_INDEX" val="20184655"/>
-</p:tagLst>
-</file>
-
-<file path=ppt/tags/tag11.xml><?xml version="1.0" encoding="utf-8"?>
-<p:tagLst xmlns:a="http://schemas.openxmlformats.org/drawingml/2006/main" xmlns:r="http://schemas.openxmlformats.org/officeDocument/2006/relationships" xmlns:p="http://schemas.openxmlformats.org/presentationml/2006/main">
-  <p:tag name="KSO_WM_BEAUTIFY_FLAG" val="#wm#"/>
-  <p:tag name="KSO_WM_TEMPLATE_CATEGORY" val="custom"/>
-  <p:tag name="KSO_WM_TEMPLATE_INDEX" val="20184655"/>
-</p:tagLst>
-</file>
-
-<file path=ppt/tags/tag12.xml><?xml version="1.0" encoding="utf-8"?>
-<p:tagLst xmlns:a="http://schemas.openxmlformats.org/drawingml/2006/main" xmlns:r="http://schemas.openxmlformats.org/officeDocument/2006/relationships" xmlns:p="http://schemas.openxmlformats.org/presentationml/2006/main">
-  <p:tag name="KSO_WM_BEAUTIFY_FLAG" val="#wm#"/>
-  <p:tag name="KSO_WM_TEMPLATE_CATEGORY" val="custom"/>
-  <p:tag name="KSO_WM_TEMPLATE_INDEX" val="20184655"/>
-</p:tagLst>
-</file>
-
-<file path=ppt/tags/tag13.xml><?xml version="1.0" encoding="utf-8"?>
-<p:tagLst xmlns:a="http://schemas.openxmlformats.org/drawingml/2006/main" xmlns:r="http://schemas.openxmlformats.org/officeDocument/2006/relationships" xmlns:p="http://schemas.openxmlformats.org/presentationml/2006/main">
-  <p:tag name="KSO_WM_BEAUTIFY_FLAG" val="#wm#"/>
-  <p:tag name="KSO_WM_TEMPLATE_CATEGORY" val="custom"/>
-  <p:tag name="KSO_WM_TEMPLATE_INDEX" val="20184655"/>
-</p:tagLst>
-</file>
-
-<file path=ppt/tags/tag2.xml><?xml version="1.0" encoding="utf-8"?>
-<p:tagLst xmlns:a="http://schemas.openxmlformats.org/drawingml/2006/main" xmlns:r="http://schemas.openxmlformats.org/officeDocument/2006/relationships" xmlns:p="http://schemas.openxmlformats.org/presentationml/2006/main">
-  <p:tag name="KSO_WM_TAG_VERSION" val="1.0"/>
-  <p:tag name="KSO_WM_BEAUTIFY_FLAG" val="#wm#"/>
-  <p:tag name="KSO_WM_UNIT_TYPE" val="i"/>
-  <p:tag name="KSO_WM_UNIT_ID" val="custom20184655_1*i*0"/>
-  <p:tag name="KSO_WM_TEMPLATE_CATEGORY" val="custom"/>
-  <p:tag name="KSO_WM_TEMPLATE_INDEX" val="20184655"/>
-  <p:tag name="KSO_WM_UNIT_INDEX" val="0"/>
-</p:tagLst>
-</file>
-
-<file path=ppt/tags/tag3.xml><?xml version="1.0" encoding="utf-8"?>
-<p:tagLst xmlns:a="http://schemas.openxmlformats.org/drawingml/2006/main" xmlns:r="http://schemas.openxmlformats.org/officeDocument/2006/relationships" xmlns:p="http://schemas.openxmlformats.org/presentationml/2006/main">
-  <p:tag name="KSO_WM_TEMPLATE_CATEGORY" val="custom"/>
-  <p:tag name="KSO_WM_TEMPLATE_INDEX" val="20184655"/>
-  <p:tag name="KSO_WM_TAG_VERSION" val="1.0"/>
-  <p:tag name="KSO_WM_UNIT_TYPE" val="a"/>
-  <p:tag name="KSO_WM_UNIT_INDEX" val="1"/>
-  <p:tag name="KSO_WM_UNIT_ID" val="custom20184655_1*a*1"/>
-  <p:tag name="KSO_WM_UNIT_LAYERLEVEL" val="1"/>
-  <p:tag name="KSO_WM_UNIT_VALUE" val="10"/>
-  <p:tag name="KSO_WM_UNIT_ISCONTENTSTITLE" val="0"/>
-  <p:tag name="KSO_WM_UNIT_HIGHLIGHT" val="0"/>
-  <p:tag name="KSO_WM_UNIT_COMPATIBLE" val="0"/>
-  <p:tag name="KSO_WM_UNIT_CLEAR" val="0"/>
-  <p:tag name="KSO_WM_BEAUTIFY_FLAG" val="#wm#"/>
-  <p:tag name="KSO_WM_UNIT_PRESET_TEXT" val="BUSINESS PLAN"/>
-</p:tagLst>
-</file>
-
-<file path=ppt/tags/tag4.xml><?xml version="1.0" encoding="utf-8"?>
-<p:tagLst xmlns:a="http://schemas.openxmlformats.org/drawingml/2006/main" xmlns:r="http://schemas.openxmlformats.org/officeDocument/2006/relationships" xmlns:p="http://schemas.openxmlformats.org/presentationml/2006/main">
-  <p:tag name="KSO_WM_TEMPLATE_CATEGORY" val="custom"/>
-  <p:tag name="KSO_WM_TEMPLATE_INDEX" val="20184655"/>
-  <p:tag name="KSO_WM_TAG_VERSION" val="1.0"/>
-  <p:tag name="KSO_WM_UNIT_TYPE" val="b"/>
-  <p:tag name="KSO_WM_UNIT_INDEX" val="1"/>
-  <p:tag name="KSO_WM_UNIT_ID" val="custom20184655_1*b*1"/>
-  <p:tag name="KSO_WM_UNIT_LAYERLEVEL" val="1"/>
-  <p:tag name="KSO_WM_UNIT_VALUE" val="49"/>
-  <p:tag name="KSO_WM_UNIT_ISCONTENTSTITLE" val="0"/>
-  <p:tag name="KSO_WM_UNIT_HIGHLIGHT" val="0"/>
-  <p:tag name="KSO_WM_UNIT_COMPATIBLE" val="0"/>
-  <p:tag name="KSO_WM_UNIT_CLEAR" val="0"/>
-  <p:tag name="KSO_WM_BEAUTIFY_FLAG" val="#wm#"/>
-  <p:tag name="KSO_WM_UNIT_PRESET_TEXT" val="Lorem ipsum dolor sit amet, consectetur adipisicing elit.Lorem ipsum dolor sit amet, consectetur adipisicing elit"/>
-</p:tagLst>
-</file>
-
 <file path=ppt/tags/tag5.xml><?xml version="1.0" encoding="utf-8"?>
-<p:tagLst xmlns:a="http://schemas.openxmlformats.org/drawingml/2006/main" xmlns:r="http://schemas.openxmlformats.org/officeDocument/2006/relationships" xmlns:p="http://schemas.openxmlformats.org/presentationml/2006/main">
+<p:tagLst xmlns:p="http://schemas.openxmlformats.org/presentationml/2006/main">
   <p:tag name="KSO_WM_TEMPLATE_CATEGORY" val="custom"/>
   <p:tag name="KSO_WM_TEMPLATE_INDEX" val="20184655"/>
 </p:tagLst>
 </file>
 
 <file path=ppt/tags/tag6.xml><?xml version="1.0" encoding="utf-8"?>
-<p:tagLst xmlns:a="http://schemas.openxmlformats.org/drawingml/2006/main" xmlns:r="http://schemas.openxmlformats.org/officeDocument/2006/relationships" xmlns:p="http://schemas.openxmlformats.org/presentationml/2006/main">
+<p:tagLst xmlns:p="http://schemas.openxmlformats.org/presentationml/2006/main">
   <p:tag name="KSO_WM_TEMPLATE_CATEGORY" val="custom"/>
   <p:tag name="KSO_WM_TEMPLATE_INDEX" val="20184655"/>
 </p:tagLst>
 </file>
 
 <file path=ppt/tags/tag7.xml><?xml version="1.0" encoding="utf-8"?>
-<p:tagLst xmlns:a="http://schemas.openxmlformats.org/drawingml/2006/main" xmlns:r="http://schemas.openxmlformats.org/officeDocument/2006/relationships" xmlns:p="http://schemas.openxmlformats.org/presentationml/2006/main">
+<p:tagLst xmlns:p="http://schemas.openxmlformats.org/presentationml/2006/main">
   <p:tag name="KSO_WM_BEAUTIFY_FLAG" val="#wm#"/>
   <p:tag name="KSO_WM_TEMPLATE_CATEGORY" val="custom"/>
   <p:tag name="KSO_WM_TEMPLATE_INDEX" val="20184655"/>
@@ -10982,7 +10965,7 @@
 </file>
 
 <file path=ppt/tags/tag8.xml><?xml version="1.0" encoding="utf-8"?>
-<p:tagLst xmlns:a="http://schemas.openxmlformats.org/drawingml/2006/main" xmlns:r="http://schemas.openxmlformats.org/officeDocument/2006/relationships" xmlns:p="http://schemas.openxmlformats.org/presentationml/2006/main">
+<p:tagLst xmlns:p="http://schemas.openxmlformats.org/presentationml/2006/main">
   <p:tag name="KSO_WM_BEAUTIFY_FLAG" val="#wm#"/>
   <p:tag name="KSO_WM_TEMPLATE_CATEGORY" val="custom"/>
   <p:tag name="KSO_WM_TEMPLATE_INDEX" val="20184655"/>
@@ -10990,7 +10973,7 @@
 </file>
 
 <file path=ppt/tags/tag9.xml><?xml version="1.0" encoding="utf-8"?>
-<p:tagLst xmlns:a="http://schemas.openxmlformats.org/drawingml/2006/main" xmlns:r="http://schemas.openxmlformats.org/officeDocument/2006/relationships" xmlns:p="http://schemas.openxmlformats.org/presentationml/2006/main">
+<p:tagLst xmlns:p="http://schemas.openxmlformats.org/presentationml/2006/main">
   <p:tag name="KSO_WM_BEAUTIFY_FLAG" val="#wm#"/>
   <p:tag name="KSO_WM_TEMPLATE_CATEGORY" val="custom"/>
   <p:tag name="KSO_WM_TEMPLATE_INDEX" val="20184655"/>
@@ -11040,7 +11023,7 @@
     </a:clrScheme>
     <a:fontScheme name="离子">
       <a:majorFont>
-        <a:latin typeface="Century Gothic" panose="020B0502020202020204"/>
+        <a:latin typeface="Century Gothic"/>
         <a:ea typeface=""/>
         <a:cs typeface=""/>
         <a:font script="Jpan" typeface="メイリオ"/>
@@ -11075,7 +11058,7 @@
         <a:font script="Geor" typeface="Sylfaen"/>
       </a:majorFont>
       <a:minorFont>
-        <a:latin typeface="Century Gothic" panose="020B0502020202020204"/>
+        <a:latin typeface="Century Gothic"/>
         <a:ea typeface=""/>
         <a:cs typeface=""/>
         <a:font script="Jpan" typeface="メイリオ"/>
@@ -11248,16 +11231,16 @@
               </a:schemeClr>
             </a:duotone>
           </a:blip>
-          <a:stretch/>
+          <a:stretch>
+            <a:fillRect/>
+          </a:stretch>
         </a:blipFill>
       </a:bgFillStyleLst>
     </a:fmtScheme>
   </a:themeElements>
-  <a:objectDefaults/>
-  <a:extraClrSchemeLst/>
   <a:extLst>
     <a:ext uri="{05A4C25C-085E-4340-85A3-A5531E510DB2}">
-      <thm15:themeFamily xmlns:thm15="http://schemas.microsoft.com/office/thememl/2012/main" name="Ion" id="{B8441ADB-2E43-4AF7-B97A-BD870242C6A8}" vid="{292E63A9-BB86-4E3D-B92A-7223C6510D2E}"/>
+      <thm15:themeFamily xmlns:thm15="http://schemas.microsoft.com/office/thememl/2012/main" name="Office Theme" id="{62F939B6-93AF-4DB8-9C6B-D6C7DFDC589F}" vid="{4A3C46E8-61CC-4603-A589-7422A47A8E4A}"/>
     </a:ext>
   </a:extLst>
 </a:theme>
@@ -11514,8 +11497,6 @@
       </a:bgFillStyleLst>
     </a:fmtScheme>
   </a:themeElements>
-  <a:objectDefaults/>
-  <a:extraClrSchemeLst/>
   <a:extLst>
     <a:ext uri="{05A4C25C-085E-4340-85A3-A5531E510DB2}">
       <thm15:themeFamily xmlns:thm15="http://schemas.microsoft.com/office/thememl/2012/main" name="Office Theme" id="{62F939B6-93AF-4DB8-9C6B-D6C7DFDC589F}" vid="{4A3C46E8-61CC-4603-A589-7422A47A8E4A}"/>
